--- a/Weekly Report (Feb. 28).pptx
+++ b/Weekly Report (Feb. 28).pptx
@@ -4,11 +4,16 @@
   <p:sldMasterIdLst>
     <p:sldMasterId id="2147483648" r:id="rId1"/>
   </p:sldMasterIdLst>
+  <p:notesMasterIdLst>
+    <p:notesMasterId r:id="rId8"/>
+  </p:notesMasterIdLst>
   <p:sldIdLst>
     <p:sldId id="256" r:id="rId2"/>
-    <p:sldId id="257" r:id="rId3"/>
-    <p:sldId id="258" r:id="rId4"/>
-    <p:sldId id="259" r:id="rId5"/>
+    <p:sldId id="260" r:id="rId3"/>
+    <p:sldId id="261" r:id="rId4"/>
+    <p:sldId id="257" r:id="rId5"/>
+    <p:sldId id="258" r:id="rId6"/>
+    <p:sldId id="259" r:id="rId7"/>
   </p:sldIdLst>
   <p:sldSz cx="12192000" cy="6858000"/>
   <p:notesSz cx="6858000" cy="9144000"/>
@@ -107,7 +112,362 @@
       </a:defRPr>
     </a:lvl9pPr>
   </p:defaultTextStyle>
+  <p:extLst>
+    <p:ext uri="{EFAFB233-063F-42B5-8137-9DF3F51BA10A}">
+      <p15:sldGuideLst xmlns:p15="http://schemas.microsoft.com/office/powerpoint/2012/main"/>
+    </p:ext>
+  </p:extLst>
 </p:presentation>
+</file>
+
+<file path=ppt/notesMasters/notesMaster1.xml><?xml version="1.0" encoding="utf-8"?>
+<p:notesMaster xmlns:a="http://schemas.openxmlformats.org/drawingml/2006/main" xmlns:r="http://schemas.openxmlformats.org/officeDocument/2006/relationships" xmlns:p="http://schemas.openxmlformats.org/presentationml/2006/main">
+  <p:cSld>
+    <p:bg>
+      <p:bgRef idx="1001">
+        <a:schemeClr val="bg1"/>
+      </p:bgRef>
+    </p:bg>
+    <p:spTree>
+      <p:nvGrpSpPr>
+        <p:cNvPr id="1" name=""/>
+        <p:cNvGrpSpPr/>
+        <p:nvPr/>
+      </p:nvGrpSpPr>
+      <p:grpSpPr>
+        <a:xfrm>
+          <a:off x="0" y="0"/>
+          <a:ext cx="0" cy="0"/>
+          <a:chOff x="0" y="0"/>
+          <a:chExt cx="0" cy="0"/>
+        </a:xfrm>
+      </p:grpSpPr>
+      <p:sp>
+        <p:nvSpPr>
+          <p:cNvPr id="2" name="Header Placeholder 1"/>
+          <p:cNvSpPr>
+            <a:spLocks noGrp="1"/>
+          </p:cNvSpPr>
+          <p:nvPr>
+            <p:ph type="hdr" sz="quarter"/>
+          </p:nvPr>
+        </p:nvSpPr>
+        <p:spPr>
+          <a:xfrm>
+            <a:off x="0" y="0"/>
+            <a:ext cx="2971800" cy="458788"/>
+          </a:xfrm>
+          <a:prstGeom prst="rect">
+            <a:avLst/>
+          </a:prstGeom>
+        </p:spPr>
+        <p:txBody>
+          <a:bodyPr vert="horz" lIns="91440" tIns="45720" rIns="91440" bIns="45720" rtlCol="0"/>
+          <a:lstStyle>
+            <a:lvl1pPr algn="l">
+              <a:defRPr sz="1200"/>
+            </a:lvl1pPr>
+          </a:lstStyle>
+          <a:p>
+            <a:endParaRPr lang="en-US"/>
+          </a:p>
+        </p:txBody>
+      </p:sp>
+      <p:sp>
+        <p:nvSpPr>
+          <p:cNvPr id="3" name="Date Placeholder 2"/>
+          <p:cNvSpPr>
+            <a:spLocks noGrp="1"/>
+          </p:cNvSpPr>
+          <p:nvPr>
+            <p:ph type="dt" idx="1"/>
+          </p:nvPr>
+        </p:nvSpPr>
+        <p:spPr>
+          <a:xfrm>
+            <a:off x="3884613" y="0"/>
+            <a:ext cx="2971800" cy="458788"/>
+          </a:xfrm>
+          <a:prstGeom prst="rect">
+            <a:avLst/>
+          </a:prstGeom>
+        </p:spPr>
+        <p:txBody>
+          <a:bodyPr vert="horz" lIns="91440" tIns="45720" rIns="91440" bIns="45720" rtlCol="0"/>
+          <a:lstStyle>
+            <a:lvl1pPr algn="r">
+              <a:defRPr sz="1200"/>
+            </a:lvl1pPr>
+          </a:lstStyle>
+          <a:p>
+            <a:fld id="{C01A9CA9-EE9D-1348-86AB-AA4C289938C0}" type="datetimeFigureOut">
+              <a:rPr lang="en-US" smtClean="0"/>
+              <a:t>2/28/17</a:t>
+            </a:fld>
+            <a:endParaRPr lang="en-US"/>
+          </a:p>
+        </p:txBody>
+      </p:sp>
+      <p:sp>
+        <p:nvSpPr>
+          <p:cNvPr id="4" name="Slide Image Placeholder 3"/>
+          <p:cNvSpPr>
+            <a:spLocks noGrp="1" noRot="1" noChangeAspect="1"/>
+          </p:cNvSpPr>
+          <p:nvPr>
+            <p:ph type="sldImg" idx="2"/>
+          </p:nvPr>
+        </p:nvSpPr>
+        <p:spPr>
+          <a:xfrm>
+            <a:off x="685800" y="1143000"/>
+            <a:ext cx="5486400" cy="3086100"/>
+          </a:xfrm>
+          <a:prstGeom prst="rect">
+            <a:avLst/>
+          </a:prstGeom>
+          <a:noFill/>
+          <a:ln w="12700">
+            <a:solidFill>
+              <a:prstClr val="black"/>
+            </a:solidFill>
+          </a:ln>
+        </p:spPr>
+        <p:txBody>
+          <a:bodyPr vert="horz" lIns="91440" tIns="45720" rIns="91440" bIns="45720" rtlCol="0" anchor="ctr"/>
+          <a:lstStyle/>
+          <a:p>
+            <a:endParaRPr lang="en-US"/>
+          </a:p>
+        </p:txBody>
+      </p:sp>
+      <p:sp>
+        <p:nvSpPr>
+          <p:cNvPr id="5" name="Notes Placeholder 4"/>
+          <p:cNvSpPr>
+            <a:spLocks noGrp="1"/>
+          </p:cNvSpPr>
+          <p:nvPr>
+            <p:ph type="body" sz="quarter" idx="3"/>
+          </p:nvPr>
+        </p:nvSpPr>
+        <p:spPr>
+          <a:xfrm>
+            <a:off x="685800" y="4400550"/>
+            <a:ext cx="5486400" cy="3600450"/>
+          </a:xfrm>
+          <a:prstGeom prst="rect">
+            <a:avLst/>
+          </a:prstGeom>
+        </p:spPr>
+        <p:txBody>
+          <a:bodyPr vert="horz" lIns="91440" tIns="45720" rIns="91440" bIns="45720" rtlCol="0"/>
+          <a:lstStyle/>
+          <a:p>
+            <a:pPr lvl="0"/>
+            <a:r>
+              <a:rPr lang="en-US" smtClean="0"/>
+              <a:t>Click to edit Master text styles</a:t>
+            </a:r>
+          </a:p>
+          <a:p>
+            <a:pPr lvl="1"/>
+            <a:r>
+              <a:rPr lang="en-US" smtClean="0"/>
+              <a:t>Second level</a:t>
+            </a:r>
+          </a:p>
+          <a:p>
+            <a:pPr lvl="2"/>
+            <a:r>
+              <a:rPr lang="en-US" smtClean="0"/>
+              <a:t>Third level</a:t>
+            </a:r>
+          </a:p>
+          <a:p>
+            <a:pPr lvl="3"/>
+            <a:r>
+              <a:rPr lang="en-US" smtClean="0"/>
+              <a:t>Fourth level</a:t>
+            </a:r>
+          </a:p>
+          <a:p>
+            <a:pPr lvl="4"/>
+            <a:r>
+              <a:rPr lang="en-US" smtClean="0"/>
+              <a:t>Fifth level</a:t>
+            </a:r>
+            <a:endParaRPr lang="en-US"/>
+          </a:p>
+        </p:txBody>
+      </p:sp>
+      <p:sp>
+        <p:nvSpPr>
+          <p:cNvPr id="6" name="Footer Placeholder 5"/>
+          <p:cNvSpPr>
+            <a:spLocks noGrp="1"/>
+          </p:cNvSpPr>
+          <p:nvPr>
+            <p:ph type="ftr" sz="quarter" idx="4"/>
+          </p:nvPr>
+        </p:nvSpPr>
+        <p:spPr>
+          <a:xfrm>
+            <a:off x="0" y="8685213"/>
+            <a:ext cx="2971800" cy="458787"/>
+          </a:xfrm>
+          <a:prstGeom prst="rect">
+            <a:avLst/>
+          </a:prstGeom>
+        </p:spPr>
+        <p:txBody>
+          <a:bodyPr vert="horz" lIns="91440" tIns="45720" rIns="91440" bIns="45720" rtlCol="0" anchor="b"/>
+          <a:lstStyle>
+            <a:lvl1pPr algn="l">
+              <a:defRPr sz="1200"/>
+            </a:lvl1pPr>
+          </a:lstStyle>
+          <a:p>
+            <a:endParaRPr lang="en-US"/>
+          </a:p>
+        </p:txBody>
+      </p:sp>
+      <p:sp>
+        <p:nvSpPr>
+          <p:cNvPr id="7" name="Slide Number Placeholder 6"/>
+          <p:cNvSpPr>
+            <a:spLocks noGrp="1"/>
+          </p:cNvSpPr>
+          <p:nvPr>
+            <p:ph type="sldNum" sz="quarter" idx="5"/>
+          </p:nvPr>
+        </p:nvSpPr>
+        <p:spPr>
+          <a:xfrm>
+            <a:off x="3884613" y="8685213"/>
+            <a:ext cx="2971800" cy="458787"/>
+          </a:xfrm>
+          <a:prstGeom prst="rect">
+            <a:avLst/>
+          </a:prstGeom>
+        </p:spPr>
+        <p:txBody>
+          <a:bodyPr vert="horz" lIns="91440" tIns="45720" rIns="91440" bIns="45720" rtlCol="0" anchor="b"/>
+          <a:lstStyle>
+            <a:lvl1pPr algn="r">
+              <a:defRPr sz="1200"/>
+            </a:lvl1pPr>
+          </a:lstStyle>
+          <a:p>
+            <a:fld id="{1742D0BF-C832-484E-98CF-17A72CCDD59E}" type="slidenum">
+              <a:rPr lang="en-US" smtClean="0"/>
+              <a:t>‹#›</a:t>
+            </a:fld>
+            <a:endParaRPr lang="en-US"/>
+          </a:p>
+        </p:txBody>
+      </p:sp>
+    </p:spTree>
+    <p:extLst>
+      <p:ext uri="{BB962C8B-B14F-4D97-AF65-F5344CB8AC3E}">
+        <p14:creationId xmlns:p14="http://schemas.microsoft.com/office/powerpoint/2010/main" val="1581117646"/>
+      </p:ext>
+    </p:extLst>
+  </p:cSld>
+  <p:clrMap bg1="lt1" tx1="dk1" bg2="lt2" tx2="dk2" accent1="accent1" accent2="accent2" accent3="accent3" accent4="accent4" accent5="accent5" accent6="accent6" hlink="hlink" folHlink="folHlink"/>
+  <p:notesStyle>
+    <a:lvl1pPr marL="0" algn="l" defTabSz="914400" rtl="0" eaLnBrk="1" latinLnBrk="0" hangingPunct="1">
+      <a:defRPr sz="1200" kern="1200">
+        <a:solidFill>
+          <a:schemeClr val="tx1"/>
+        </a:solidFill>
+        <a:latin typeface="+mn-lt"/>
+        <a:ea typeface="+mn-ea"/>
+        <a:cs typeface="+mn-cs"/>
+      </a:defRPr>
+    </a:lvl1pPr>
+    <a:lvl2pPr marL="457200" algn="l" defTabSz="914400" rtl="0" eaLnBrk="1" latinLnBrk="0" hangingPunct="1">
+      <a:defRPr sz="1200" kern="1200">
+        <a:solidFill>
+          <a:schemeClr val="tx1"/>
+        </a:solidFill>
+        <a:latin typeface="+mn-lt"/>
+        <a:ea typeface="+mn-ea"/>
+        <a:cs typeface="+mn-cs"/>
+      </a:defRPr>
+    </a:lvl2pPr>
+    <a:lvl3pPr marL="914400" algn="l" defTabSz="914400" rtl="0" eaLnBrk="1" latinLnBrk="0" hangingPunct="1">
+      <a:defRPr sz="1200" kern="1200">
+        <a:solidFill>
+          <a:schemeClr val="tx1"/>
+        </a:solidFill>
+        <a:latin typeface="+mn-lt"/>
+        <a:ea typeface="+mn-ea"/>
+        <a:cs typeface="+mn-cs"/>
+      </a:defRPr>
+    </a:lvl3pPr>
+    <a:lvl4pPr marL="1371600" algn="l" defTabSz="914400" rtl="0" eaLnBrk="1" latinLnBrk="0" hangingPunct="1">
+      <a:defRPr sz="1200" kern="1200">
+        <a:solidFill>
+          <a:schemeClr val="tx1"/>
+        </a:solidFill>
+        <a:latin typeface="+mn-lt"/>
+        <a:ea typeface="+mn-ea"/>
+        <a:cs typeface="+mn-cs"/>
+      </a:defRPr>
+    </a:lvl4pPr>
+    <a:lvl5pPr marL="1828800" algn="l" defTabSz="914400" rtl="0" eaLnBrk="1" latinLnBrk="0" hangingPunct="1">
+      <a:defRPr sz="1200" kern="1200">
+        <a:solidFill>
+          <a:schemeClr val="tx1"/>
+        </a:solidFill>
+        <a:latin typeface="+mn-lt"/>
+        <a:ea typeface="+mn-ea"/>
+        <a:cs typeface="+mn-cs"/>
+      </a:defRPr>
+    </a:lvl5pPr>
+    <a:lvl6pPr marL="2286000" algn="l" defTabSz="914400" rtl="0" eaLnBrk="1" latinLnBrk="0" hangingPunct="1">
+      <a:defRPr sz="1200" kern="1200">
+        <a:solidFill>
+          <a:schemeClr val="tx1"/>
+        </a:solidFill>
+        <a:latin typeface="+mn-lt"/>
+        <a:ea typeface="+mn-ea"/>
+        <a:cs typeface="+mn-cs"/>
+      </a:defRPr>
+    </a:lvl6pPr>
+    <a:lvl7pPr marL="2743200" algn="l" defTabSz="914400" rtl="0" eaLnBrk="1" latinLnBrk="0" hangingPunct="1">
+      <a:defRPr sz="1200" kern="1200">
+        <a:solidFill>
+          <a:schemeClr val="tx1"/>
+        </a:solidFill>
+        <a:latin typeface="+mn-lt"/>
+        <a:ea typeface="+mn-ea"/>
+        <a:cs typeface="+mn-cs"/>
+      </a:defRPr>
+    </a:lvl7pPr>
+    <a:lvl8pPr marL="3200400" algn="l" defTabSz="914400" rtl="0" eaLnBrk="1" latinLnBrk="0" hangingPunct="1">
+      <a:defRPr sz="1200" kern="1200">
+        <a:solidFill>
+          <a:schemeClr val="tx1"/>
+        </a:solidFill>
+        <a:latin typeface="+mn-lt"/>
+        <a:ea typeface="+mn-ea"/>
+        <a:cs typeface="+mn-cs"/>
+      </a:defRPr>
+    </a:lvl8pPr>
+    <a:lvl9pPr marL="3657600" algn="l" defTabSz="914400" rtl="0" eaLnBrk="1" latinLnBrk="0" hangingPunct="1">
+      <a:defRPr sz="1200" kern="1200">
+        <a:solidFill>
+          <a:schemeClr val="tx1"/>
+        </a:solidFill>
+        <a:latin typeface="+mn-lt"/>
+        <a:ea typeface="+mn-ea"/>
+        <a:cs typeface="+mn-cs"/>
+      </a:defRPr>
+    </a:lvl9pPr>
+  </p:notesStyle>
+</p:notesMaster>
 </file>
 
 <file path=ppt/slideLayouts/slideLayout1.xml><?xml version="1.0" encoding="utf-8"?>
@@ -5958,6 +6318,643 @@
           <a:lstStyle/>
           <a:p>
             <a:r>
+              <a:rPr lang="en-US" dirty="0" smtClean="0"/>
+              <a:t>Phase 1 – Classification of (Un)related</a:t>
+            </a:r>
+            <a:endParaRPr lang="en-US" dirty="0"/>
+          </a:p>
+        </p:txBody>
+      </p:sp>
+      <p:graphicFrame>
+        <p:nvGraphicFramePr>
+          <p:cNvPr id="4" name="Content Placeholder 3"/>
+          <p:cNvGraphicFramePr>
+            <a:graphicFrameLocks noGrp="1"/>
+          </p:cNvGraphicFramePr>
+          <p:nvPr>
+            <p:ph idx="1"/>
+            <p:extLst>
+              <p:ext uri="{D42A27DB-BD31-4B8C-83A1-F6EECF244321}">
+                <p14:modId xmlns:p14="http://schemas.microsoft.com/office/powerpoint/2010/main" val="311845266"/>
+              </p:ext>
+            </p:extLst>
+          </p:nvPr>
+        </p:nvGraphicFramePr>
+        <p:xfrm>
+          <a:off x="1496124" y="2988526"/>
+          <a:ext cx="5138851" cy="2364305"/>
+        </p:xfrm>
+        <a:graphic>
+          <a:graphicData uri="http://schemas.openxmlformats.org/drawingml/2006/table">
+            <a:tbl>
+              <a:tblPr/>
+              <a:tblGrid>
+                <a:gridCol w="1345312"/>
+                <a:gridCol w="1199874"/>
+                <a:gridCol w="1284713"/>
+                <a:gridCol w="1308952"/>
+              </a:tblGrid>
+              <a:tr h="835586">
+                <a:tc>
+                  <a:txBody>
+                    <a:bodyPr/>
+                    <a:lstStyle/>
+                    <a:p>
+                      <a:r>
+                        <a:rPr lang="en-US" dirty="0">
+                          <a:effectLst/>
+                        </a:rPr>
+                        <a:t/>
+                      </a:r>
+                      <a:br>
+                        <a:rPr lang="en-US" dirty="0">
+                          <a:effectLst/>
+                        </a:rPr>
+                      </a:br>
+                      <a:endParaRPr lang="en-US" dirty="0">
+                        <a:effectLst/>
+                      </a:endParaRPr>
+                    </a:p>
+                  </a:txBody>
+                  <a:tcPr marL="63500" marR="63500" marT="63500" marB="63500" anchor="ctr"/>
+                </a:tc>
+                <a:tc>
+                  <a:txBody>
+                    <a:bodyPr/>
+                    <a:lstStyle/>
+                    <a:p>
+                      <a:r>
+                        <a:rPr lang="en-US" dirty="0" smtClean="0">
+                          <a:effectLst/>
+                        </a:rPr>
+                        <a:t>True</a:t>
+                      </a:r>
+                      <a:endParaRPr lang="en-US" dirty="0">
+                        <a:effectLst/>
+                      </a:endParaRPr>
+                    </a:p>
+                  </a:txBody>
+                  <a:tcPr marL="63500" marR="63500" marT="63500" marB="63500" anchor="ctr"/>
+                </a:tc>
+                <a:tc>
+                  <a:txBody>
+                    <a:bodyPr/>
+                    <a:lstStyle/>
+                    <a:p>
+                      <a:r>
+                        <a:rPr lang="en-US">
+                          <a:effectLst/>
+                        </a:rPr>
+                        <a:t>False </a:t>
+                      </a:r>
+                    </a:p>
+                  </a:txBody>
+                  <a:tcPr marL="63500" marR="63500" marT="63500" marB="63500" anchor="ctr"/>
+                </a:tc>
+                <a:tc>
+                  <a:txBody>
+                    <a:bodyPr/>
+                    <a:lstStyle/>
+                    <a:p>
+                      <a:r>
+                        <a:rPr lang="en-US" dirty="0">
+                          <a:effectLst/>
+                        </a:rPr>
+                        <a:t>Total </a:t>
+                      </a:r>
+                      <a:endParaRPr lang="en-US" b="1" dirty="0">
+                        <a:effectLst/>
+                      </a:endParaRPr>
+                    </a:p>
+                  </a:txBody>
+                  <a:tcPr marL="63500" marR="63500" marT="63500" marB="63500" anchor="ctr"/>
+                </a:tc>
+              </a:tr>
+              <a:tr h="509573">
+                <a:tc>
+                  <a:txBody>
+                    <a:bodyPr/>
+                    <a:lstStyle/>
+                    <a:p>
+                      <a:r>
+                        <a:rPr lang="en-US" dirty="0" smtClean="0">
+                          <a:effectLst/>
+                        </a:rPr>
+                        <a:t>Positive</a:t>
+                      </a:r>
+                      <a:endParaRPr lang="en-US" dirty="0">
+                        <a:effectLst/>
+                      </a:endParaRPr>
+                    </a:p>
+                  </a:txBody>
+                  <a:tcPr marL="63500" marR="63500" marT="63500" marB="63500" anchor="ctr"/>
+                </a:tc>
+                <a:tc>
+                  <a:txBody>
+                    <a:bodyPr/>
+                    <a:lstStyle/>
+                    <a:p>
+                      <a:r>
+                        <a:rPr lang="is-IS" dirty="0" smtClean="0">
+                          <a:effectLst/>
+                        </a:rPr>
+                        <a:t>1200</a:t>
+                      </a:r>
+                      <a:endParaRPr lang="is-IS" dirty="0">
+                        <a:effectLst/>
+                      </a:endParaRPr>
+                    </a:p>
+                  </a:txBody>
+                  <a:tcPr marL="63500" marR="63500" marT="63500" marB="63500" anchor="ctr"/>
+                </a:tc>
+                <a:tc>
+                  <a:txBody>
+                    <a:bodyPr/>
+                    <a:lstStyle/>
+                    <a:p>
+                      <a:r>
+                        <a:rPr lang="is-IS" dirty="0" smtClean="0">
+                          <a:effectLst/>
+                        </a:rPr>
+                        <a:t>78</a:t>
+                      </a:r>
+                      <a:endParaRPr lang="is-IS" dirty="0">
+                        <a:effectLst/>
+                      </a:endParaRPr>
+                    </a:p>
+                  </a:txBody>
+                  <a:tcPr marL="63500" marR="63500" marT="63500" marB="63500" anchor="ctr"/>
+                </a:tc>
+                <a:tc>
+                  <a:txBody>
+                    <a:bodyPr/>
+                    <a:lstStyle/>
+                    <a:p>
+                      <a:r>
+                        <a:rPr lang="is-IS" dirty="0">
+                          <a:effectLst/>
+                        </a:rPr>
+                        <a:t>1278 </a:t>
+                      </a:r>
+                      <a:endParaRPr lang="is-IS" b="1" dirty="0">
+                        <a:effectLst/>
+                      </a:endParaRPr>
+                    </a:p>
+                  </a:txBody>
+                  <a:tcPr marL="63500" marR="63500" marT="63500" marB="63500" anchor="ctr"/>
+                </a:tc>
+              </a:tr>
+              <a:tr h="509573">
+                <a:tc>
+                  <a:txBody>
+                    <a:bodyPr/>
+                    <a:lstStyle/>
+                    <a:p>
+                      <a:r>
+                        <a:rPr lang="en-US" dirty="0">
+                          <a:effectLst/>
+                        </a:rPr>
+                        <a:t>Negative </a:t>
+                      </a:r>
+                    </a:p>
+                  </a:txBody>
+                  <a:tcPr marL="63500" marR="63500" marT="63500" marB="63500" anchor="ctr"/>
+                </a:tc>
+                <a:tc>
+                  <a:txBody>
+                    <a:bodyPr/>
+                    <a:lstStyle/>
+                    <a:p>
+                      <a:r>
+                        <a:rPr lang="ru-RU" dirty="0" smtClean="0">
+                          <a:effectLst/>
+                        </a:rPr>
+                        <a:t>3581</a:t>
+                      </a:r>
+                      <a:endParaRPr lang="ru-RU" dirty="0">
+                        <a:effectLst/>
+                      </a:endParaRPr>
+                    </a:p>
+                  </a:txBody>
+                  <a:tcPr marL="63500" marR="63500" marT="63500" marB="63500" anchor="ctr"/>
+                </a:tc>
+                <a:tc>
+                  <a:txBody>
+                    <a:bodyPr/>
+                    <a:lstStyle/>
+                    <a:p>
+                      <a:r>
+                        <a:rPr lang="uk-UA" dirty="0" smtClean="0">
+                          <a:effectLst/>
+                        </a:rPr>
+                        <a:t>139</a:t>
+                      </a:r>
+                      <a:endParaRPr lang="uk-UA" dirty="0">
+                        <a:effectLst/>
+                      </a:endParaRPr>
+                    </a:p>
+                  </a:txBody>
+                  <a:tcPr marL="63500" marR="63500" marT="63500" marB="63500" anchor="ctr"/>
+                </a:tc>
+                <a:tc>
+                  <a:txBody>
+                    <a:bodyPr/>
+                    <a:lstStyle/>
+                    <a:p>
+                      <a:r>
+                        <a:rPr lang="is-IS" dirty="0">
+                          <a:effectLst/>
+                        </a:rPr>
+                        <a:t>3720 </a:t>
+                      </a:r>
+                      <a:endParaRPr lang="is-IS" b="1" dirty="0">
+                        <a:effectLst/>
+                      </a:endParaRPr>
+                    </a:p>
+                  </a:txBody>
+                  <a:tcPr marL="63500" marR="63500" marT="63500" marB="63500" anchor="ctr"/>
+                </a:tc>
+              </a:tr>
+              <a:tr h="509573">
+                <a:tc>
+                  <a:txBody>
+                    <a:bodyPr/>
+                    <a:lstStyle/>
+                    <a:p>
+                      <a:r>
+                        <a:rPr lang="en-US" dirty="0">
+                          <a:effectLst/>
+                        </a:rPr>
+                        <a:t>Total </a:t>
+                      </a:r>
+                      <a:endParaRPr lang="en-US" b="1" dirty="0">
+                        <a:effectLst/>
+                      </a:endParaRPr>
+                    </a:p>
+                  </a:txBody>
+                  <a:tcPr marL="63500" marR="63500" marT="63500" marB="63500" anchor="ctr"/>
+                </a:tc>
+                <a:tc>
+                  <a:txBody>
+                    <a:bodyPr/>
+                    <a:lstStyle/>
+                    <a:p>
+                      <a:r>
+                        <a:rPr lang="is-IS">
+                          <a:effectLst/>
+                        </a:rPr>
+                        <a:t>4781 </a:t>
+                      </a:r>
+                      <a:endParaRPr lang="is-IS" b="1">
+                        <a:effectLst/>
+                      </a:endParaRPr>
+                    </a:p>
+                  </a:txBody>
+                  <a:tcPr marL="63500" marR="63500" marT="63500" marB="63500" anchor="ctr"/>
+                </a:tc>
+                <a:tc>
+                  <a:txBody>
+                    <a:bodyPr/>
+                    <a:lstStyle/>
+                    <a:p>
+                      <a:r>
+                        <a:rPr lang="is-IS">
+                          <a:effectLst/>
+                        </a:rPr>
+                        <a:t>217 </a:t>
+                      </a:r>
+                      <a:endParaRPr lang="is-IS" b="1">
+                        <a:effectLst/>
+                      </a:endParaRPr>
+                    </a:p>
+                  </a:txBody>
+                  <a:tcPr marL="63500" marR="63500" marT="63500" marB="63500" anchor="ctr"/>
+                </a:tc>
+                <a:tc>
+                  <a:txBody>
+                    <a:bodyPr/>
+                    <a:lstStyle/>
+                    <a:p>
+                      <a:r>
+                        <a:rPr lang="cs-CZ" dirty="0">
+                          <a:effectLst/>
+                        </a:rPr>
+                        <a:t>4998 </a:t>
+                      </a:r>
+                      <a:endParaRPr lang="cs-CZ" b="1" dirty="0">
+                        <a:effectLst/>
+                      </a:endParaRPr>
+                    </a:p>
+                  </a:txBody>
+                  <a:tcPr marL="63500" marR="63500" marT="63500" marB="63500" anchor="ctr"/>
+                </a:tc>
+              </a:tr>
+            </a:tbl>
+          </a:graphicData>
+        </a:graphic>
+      </p:graphicFrame>
+      <p:sp>
+        <p:nvSpPr>
+          <p:cNvPr id="5" name="Rectangle 4"/>
+          <p:cNvSpPr/>
+          <p:nvPr/>
+        </p:nvSpPr>
+        <p:spPr>
+          <a:xfrm>
+            <a:off x="6895171" y="2868465"/>
+            <a:ext cx="3230136" cy="923330"/>
+          </a:xfrm>
+          <a:prstGeom prst="rect">
+            <a:avLst/>
+          </a:prstGeom>
+        </p:spPr>
+        <p:txBody>
+          <a:bodyPr wrap="square">
+            <a:spAutoFit/>
+          </a:bodyPr>
+          <a:lstStyle/>
+          <a:p>
+            <a:pPr marL="285750" indent="-285750">
+              <a:buFont typeface="Arial" charset="0"/>
+              <a:buChar char="•"/>
+            </a:pPr>
+            <a:r>
+              <a:rPr lang="en-US" dirty="0"/>
+              <a:t>Features: BM25, Indri, </a:t>
+            </a:r>
+            <a:r>
+              <a:rPr lang="en-US" dirty="0" err="1"/>
+              <a:t>CosSim</a:t>
+            </a:r>
+            <a:endParaRPr lang="en-US" dirty="0"/>
+          </a:p>
+          <a:p>
+            <a:pPr marL="285750" indent="-285750">
+              <a:buFont typeface="Arial" charset="0"/>
+              <a:buChar char="•"/>
+            </a:pPr>
+            <a:r>
+              <a:rPr lang="en-US" dirty="0"/>
+              <a:t>Training: 45,000, Test: </a:t>
+            </a:r>
+            <a:r>
+              <a:rPr lang="en-US" dirty="0" smtClean="0"/>
+              <a:t>5000 </a:t>
+            </a:r>
+          </a:p>
+          <a:p>
+            <a:pPr marL="285750" indent="-285750">
+              <a:buFont typeface="Arial" charset="0"/>
+              <a:buChar char="•"/>
+            </a:pPr>
+            <a:r>
+              <a:rPr lang="en-US" dirty="0" smtClean="0"/>
+              <a:t>SVM(RBF </a:t>
+            </a:r>
+            <a:r>
+              <a:rPr lang="en-US" dirty="0"/>
+              <a:t>kernel): 95.56%</a:t>
+            </a:r>
+          </a:p>
+        </p:txBody>
+      </p:sp>
+      <p:sp>
+        <p:nvSpPr>
+          <p:cNvPr id="6" name="Rectangle 5"/>
+          <p:cNvSpPr/>
+          <p:nvPr/>
+        </p:nvSpPr>
+        <p:spPr>
+          <a:xfrm>
+            <a:off x="6895171" y="3947912"/>
+            <a:ext cx="3631580" cy="1754326"/>
+          </a:xfrm>
+          <a:prstGeom prst="rect">
+            <a:avLst/>
+          </a:prstGeom>
+        </p:spPr>
+        <p:txBody>
+          <a:bodyPr wrap="square">
+            <a:spAutoFit/>
+          </a:bodyPr>
+          <a:lstStyle/>
+          <a:p>
+            <a:pPr marL="285750" indent="-285750">
+              <a:buFont typeface="Arial" charset="0"/>
+              <a:buChar char="•"/>
+            </a:pPr>
+            <a:r>
+              <a:rPr lang="en-US" dirty="0" smtClean="0"/>
+              <a:t>#</a:t>
+            </a:r>
+            <a:r>
+              <a:rPr lang="en-US" dirty="0" err="1"/>
+              <a:t>ErrorCase</a:t>
+            </a:r>
+            <a:r>
+              <a:rPr lang="en-US" dirty="0"/>
+              <a:t> = </a:t>
+            </a:r>
+            <a:r>
+              <a:rPr lang="en-US" dirty="0" smtClean="0"/>
+              <a:t>217</a:t>
+            </a:r>
+          </a:p>
+          <a:p>
+            <a:pPr marL="285750" indent="-285750">
+              <a:buFont typeface="Arial" charset="0"/>
+              <a:buChar char="•"/>
+            </a:pPr>
+            <a:r>
+              <a:rPr lang="en-US" dirty="0" smtClean="0"/>
+              <a:t>Accuracy </a:t>
+            </a:r>
+            <a:r>
+              <a:rPr lang="en-US" dirty="0"/>
+              <a:t>= </a:t>
+            </a:r>
+            <a:r>
+              <a:rPr lang="en-US" dirty="0" smtClean="0"/>
+              <a:t>95.66%</a:t>
+            </a:r>
+          </a:p>
+          <a:p>
+            <a:pPr marL="285750" indent="-285750">
+              <a:buFont typeface="Arial" charset="0"/>
+              <a:buChar char="•"/>
+            </a:pPr>
+            <a:r>
+              <a:rPr lang="en-US" dirty="0" smtClean="0"/>
+              <a:t>Precision </a:t>
+            </a:r>
+            <a:r>
+              <a:rPr lang="en-US" dirty="0"/>
+              <a:t>= </a:t>
+            </a:r>
+            <a:r>
+              <a:rPr lang="en-US" dirty="0" smtClean="0"/>
+              <a:t>93.90%</a:t>
+            </a:r>
+          </a:p>
+          <a:p>
+            <a:pPr marL="285750" indent="-285750">
+              <a:buFont typeface="Arial" charset="0"/>
+              <a:buChar char="•"/>
+            </a:pPr>
+            <a:r>
+              <a:rPr lang="en-US" dirty="0" smtClean="0"/>
+              <a:t>Recall </a:t>
+            </a:r>
+            <a:r>
+              <a:rPr lang="en-US" dirty="0"/>
+              <a:t>= </a:t>
+            </a:r>
+            <a:r>
+              <a:rPr lang="en-US" dirty="0" smtClean="0"/>
+              <a:t>89.62%</a:t>
+            </a:r>
+          </a:p>
+          <a:p>
+            <a:pPr marL="285750" indent="-285750">
+              <a:buFont typeface="Arial" charset="0"/>
+              <a:buChar char="•"/>
+            </a:pPr>
+            <a:r>
+              <a:rPr lang="en-US" dirty="0" smtClean="0"/>
+              <a:t>F1 </a:t>
+            </a:r>
+            <a:r>
+              <a:rPr lang="en-US" dirty="0"/>
+              <a:t>Score = 91.71%</a:t>
+            </a:r>
+            <a:br>
+              <a:rPr lang="en-US" dirty="0"/>
+            </a:br>
+            <a:endParaRPr lang="en-US" dirty="0"/>
+          </a:p>
+        </p:txBody>
+      </p:sp>
+    </p:spTree>
+    <p:extLst>
+      <p:ext uri="{BB962C8B-B14F-4D97-AF65-F5344CB8AC3E}">
+        <p14:creationId xmlns:p14="http://schemas.microsoft.com/office/powerpoint/2010/main" val="1651135053"/>
+      </p:ext>
+    </p:extLst>
+  </p:cSld>
+  <p:clrMapOvr>
+    <a:masterClrMapping/>
+  </p:clrMapOvr>
+</p:sld>
+</file>
+
+<file path=ppt/slides/slide3.xml><?xml version="1.0" encoding="utf-8"?>
+<p:sld xmlns:a="http://schemas.openxmlformats.org/drawingml/2006/main" xmlns:r="http://schemas.openxmlformats.org/officeDocument/2006/relationships" xmlns:p="http://schemas.openxmlformats.org/presentationml/2006/main">
+  <p:cSld>
+    <p:spTree>
+      <p:nvGrpSpPr>
+        <p:cNvPr id="1" name=""/>
+        <p:cNvGrpSpPr/>
+        <p:nvPr/>
+      </p:nvGrpSpPr>
+      <p:grpSpPr>
+        <a:xfrm>
+          <a:off x="0" y="0"/>
+          <a:ext cx="0" cy="0"/>
+          <a:chOff x="0" y="0"/>
+          <a:chExt cx="0" cy="0"/>
+        </a:xfrm>
+      </p:grpSpPr>
+      <p:sp>
+        <p:nvSpPr>
+          <p:cNvPr id="2" name="Title 1"/>
+          <p:cNvSpPr>
+            <a:spLocks noGrp="1"/>
+          </p:cNvSpPr>
+          <p:nvPr>
+            <p:ph type="title"/>
+          </p:nvPr>
+        </p:nvSpPr>
+        <p:spPr>
+          <a:xfrm>
+            <a:off x="1317704" y="2900142"/>
+            <a:ext cx="9601196" cy="1303867"/>
+          </a:xfrm>
+        </p:spPr>
+        <p:txBody>
+          <a:bodyPr>
+            <a:normAutofit/>
+          </a:bodyPr>
+          <a:lstStyle/>
+          <a:p>
+            <a:r>
+              <a:rPr lang="en-US" sz="3200" dirty="0" smtClean="0"/>
+              <a:t>Phase 2 – Classification of related articles</a:t>
+            </a:r>
+            <a:br>
+              <a:rPr lang="en-US" sz="3200" dirty="0" smtClean="0"/>
+            </a:br>
+            <a:r>
+              <a:rPr lang="en-US" sz="3200" dirty="0" smtClean="0"/>
+              <a:t>( agree</a:t>
+            </a:r>
+            <a:r>
+              <a:rPr lang="en-US" sz="3200" smtClean="0"/>
+              <a:t>, disagree, discuss </a:t>
+            </a:r>
+            <a:r>
+              <a:rPr lang="en-US" sz="3200" dirty="0" smtClean="0"/>
+              <a:t>)</a:t>
+            </a:r>
+            <a:endParaRPr lang="en-US" sz="3200" dirty="0"/>
+          </a:p>
+        </p:txBody>
+      </p:sp>
+    </p:spTree>
+    <p:extLst>
+      <p:ext uri="{BB962C8B-B14F-4D97-AF65-F5344CB8AC3E}">
+        <p14:creationId xmlns:p14="http://schemas.microsoft.com/office/powerpoint/2010/main" val="881628344"/>
+      </p:ext>
+    </p:extLst>
+  </p:cSld>
+  <p:clrMapOvr>
+    <a:masterClrMapping/>
+  </p:clrMapOvr>
+</p:sld>
+</file>
+
+<file path=ppt/slides/slide4.xml><?xml version="1.0" encoding="utf-8"?>
+<p:sld xmlns:a="http://schemas.openxmlformats.org/drawingml/2006/main" xmlns:r="http://schemas.openxmlformats.org/officeDocument/2006/relationships" xmlns:p="http://schemas.openxmlformats.org/presentationml/2006/main">
+  <p:cSld>
+    <p:spTree>
+      <p:nvGrpSpPr>
+        <p:cNvPr id="1" name=""/>
+        <p:cNvGrpSpPr/>
+        <p:nvPr/>
+      </p:nvGrpSpPr>
+      <p:grpSpPr>
+        <a:xfrm>
+          <a:off x="0" y="0"/>
+          <a:ext cx="0" cy="0"/>
+          <a:chOff x="0" y="0"/>
+          <a:chExt cx="0" cy="0"/>
+        </a:xfrm>
+      </p:grpSpPr>
+      <p:sp>
+        <p:nvSpPr>
+          <p:cNvPr id="2" name="Title 1"/>
+          <p:cNvSpPr>
+            <a:spLocks noGrp="1"/>
+          </p:cNvSpPr>
+          <p:nvPr>
+            <p:ph type="title"/>
+          </p:nvPr>
+        </p:nvSpPr>
+        <p:spPr/>
+        <p:txBody>
+          <a:bodyPr/>
+          <a:lstStyle/>
+          <a:p>
+            <a:r>
               <a:rPr lang="en-US" altLang="zh-CN" dirty="0" smtClean="0"/>
               <a:t>Attempt</a:t>
             </a:r>
@@ -6017,107 +7014,32 @@
         </p:nvSpPr>
         <p:spPr/>
         <p:txBody>
-          <a:bodyPr/>
+          <a:bodyPr>
+            <a:normAutofit fontScale="92500" lnSpcReduction="10000"/>
+          </a:bodyPr>
           <a:lstStyle/>
           <a:p>
             <a:r>
+              <a:rPr lang="en-US" altLang="zh-CN" dirty="0" smtClean="0"/>
+              <a:t>Word2vec model trained  by </a:t>
+            </a:r>
+            <a:r>
               <a:rPr lang="en-US" altLang="zh-CN" dirty="0" err="1" smtClean="0"/>
-              <a:t>Haoming</a:t>
-            </a:r>
-            <a:r>
-              <a:rPr lang="zh-CN" altLang="en-US" dirty="0" smtClean="0"/>
-              <a:t> </a:t>
-            </a:r>
-            <a:r>
-              <a:rPr lang="en-US" altLang="zh-CN" dirty="0" err="1" smtClean="0"/>
-              <a:t>Todo</a:t>
+              <a:t>GoogleNews</a:t>
             </a:r>
             <a:r>
               <a:rPr lang="en-US" altLang="zh-CN" dirty="0" smtClean="0"/>
-              <a:t>:</a:t>
-            </a:r>
-            <a:r>
-              <a:rPr lang="zh-CN" altLang="en-US" dirty="0" smtClean="0"/>
-              <a:t> </a:t>
-            </a:r>
+              <a:t>, Negative Sampling, 3G, vector(300, 1)</a:t>
+            </a:r>
+          </a:p>
+          <a:p>
             <a:r>
               <a:rPr lang="en-US" altLang="zh-CN" dirty="0" smtClean="0"/>
-              <a:t>Sentence</a:t>
-            </a:r>
-            <a:r>
-              <a:rPr lang="zh-CN" altLang="en-US" dirty="0" smtClean="0"/>
-              <a:t> </a:t>
-            </a:r>
-            <a:r>
-              <a:rPr lang="en-US" altLang="zh-CN" dirty="0" smtClean="0"/>
-              <a:t>similarity</a:t>
-            </a:r>
-          </a:p>
-          <a:p>
-            <a:r>
-              <a:rPr lang="en-US" altLang="zh-CN" dirty="0" smtClean="0"/>
-              <a:t>After</a:t>
-            </a:r>
-            <a:r>
-              <a:rPr lang="zh-CN" altLang="en-US" dirty="0" smtClean="0"/>
-              <a:t> </a:t>
-            </a:r>
-            <a:r>
-              <a:rPr lang="en-US" altLang="zh-CN" dirty="0" smtClean="0"/>
-              <a:t>we</a:t>
-            </a:r>
-            <a:r>
-              <a:rPr lang="zh-CN" altLang="en-US" dirty="0" smtClean="0"/>
-              <a:t> </a:t>
-            </a:r>
-            <a:r>
-              <a:rPr lang="en-US" altLang="zh-CN" dirty="0" smtClean="0"/>
-              <a:t>retrieve</a:t>
-            </a:r>
-            <a:r>
-              <a:rPr lang="zh-CN" altLang="en-US" dirty="0" smtClean="0"/>
-              <a:t> </a:t>
-            </a:r>
-            <a:r>
-              <a:rPr lang="en-US" altLang="zh-CN" dirty="0" smtClean="0"/>
-              <a:t>top</a:t>
-            </a:r>
-            <a:r>
-              <a:rPr lang="zh-CN" altLang="en-US" dirty="0" smtClean="0"/>
-              <a:t> </a:t>
-            </a:r>
-            <a:r>
-              <a:rPr lang="en-US" altLang="zh-CN" dirty="0" smtClean="0"/>
-              <a:t>k</a:t>
-            </a:r>
-            <a:r>
-              <a:rPr lang="zh-CN" altLang="en-US" dirty="0" smtClean="0"/>
-              <a:t> </a:t>
-            </a:r>
-            <a:r>
-              <a:rPr lang="en-US" altLang="zh-CN" dirty="0" smtClean="0"/>
-              <a:t>similar</a:t>
-            </a:r>
-            <a:r>
-              <a:rPr lang="zh-CN" altLang="en-US" dirty="0" smtClean="0"/>
-              <a:t> </a:t>
-            </a:r>
-            <a:r>
-              <a:rPr lang="en-US" altLang="zh-CN" dirty="0" smtClean="0"/>
-              <a:t>sentences,</a:t>
-            </a:r>
-            <a:r>
-              <a:rPr lang="zh-CN" altLang="en-US" dirty="0" smtClean="0"/>
-              <a:t> </a:t>
-            </a:r>
-            <a:r>
-              <a:rPr lang="en-US" altLang="zh-CN" dirty="0" smtClean="0"/>
-              <a:t>we</a:t>
-            </a:r>
-            <a:r>
-              <a:rPr lang="zh-CN" altLang="en-US" dirty="0" smtClean="0"/>
-              <a:t> </a:t>
-            </a:r>
+              <a:t>Extract top 3 similar sentences in the body corresponding to the headline using cosine similarity between sentence vectors</a:t>
+            </a:r>
+            <a:endParaRPr lang="en-US" altLang="zh-CN" dirty="0" smtClean="0"/>
+          </a:p>
+          <a:p>
             <a:r>
               <a:rPr lang="en-US" altLang="zh-CN" dirty="0" smtClean="0"/>
               <a:t>use</a:t>
@@ -6643,7 +7565,7 @@
 </p:sld>
 </file>
 
-<file path=ppt/slides/slide3.xml><?xml version="1.0" encoding="utf-8"?>
+<file path=ppt/slides/slide5.xml><?xml version="1.0" encoding="utf-8"?>
 <p:sld xmlns:a="http://schemas.openxmlformats.org/drawingml/2006/main" xmlns:r="http://schemas.openxmlformats.org/officeDocument/2006/relationships" xmlns:p="http://schemas.openxmlformats.org/presentationml/2006/main">
   <p:cSld>
     <p:spTree>
@@ -6980,7 +7902,7 @@
 </p:sld>
 </file>
 
-<file path=ppt/slides/slide4.xml><?xml version="1.0" encoding="utf-8"?>
+<file path=ppt/slides/slide6.xml><?xml version="1.0" encoding="utf-8"?>
 <p:sld xmlns:a="http://schemas.openxmlformats.org/drawingml/2006/main" xmlns:r="http://schemas.openxmlformats.org/officeDocument/2006/relationships" xmlns:p="http://schemas.openxmlformats.org/presentationml/2006/main">
   <p:cSld>
     <p:spTree>
@@ -7627,4 +8549,265 @@
     </a:ext>
   </a:extLst>
 </a:theme>
+</file>
+
+<file path=ppt/theme/theme2.xml><?xml version="1.0" encoding="utf-8"?>
+<a:theme xmlns:a="http://schemas.openxmlformats.org/drawingml/2006/main" name="Office Theme">
+  <a:themeElements>
+    <a:clrScheme name="Office">
+      <a:dk1>
+        <a:sysClr val="windowText" lastClr="000000"/>
+      </a:dk1>
+      <a:lt1>
+        <a:sysClr val="window" lastClr="FFFFFF"/>
+      </a:lt1>
+      <a:dk2>
+        <a:srgbClr val="44546A"/>
+      </a:dk2>
+      <a:lt2>
+        <a:srgbClr val="E7E6E6"/>
+      </a:lt2>
+      <a:accent1>
+        <a:srgbClr val="4472C4"/>
+      </a:accent1>
+      <a:accent2>
+        <a:srgbClr val="ED7D31"/>
+      </a:accent2>
+      <a:accent3>
+        <a:srgbClr val="A5A5A5"/>
+      </a:accent3>
+      <a:accent4>
+        <a:srgbClr val="FFC000"/>
+      </a:accent4>
+      <a:accent5>
+        <a:srgbClr val="5B9BD5"/>
+      </a:accent5>
+      <a:accent6>
+        <a:srgbClr val="70AD47"/>
+      </a:accent6>
+      <a:hlink>
+        <a:srgbClr val="0563C1"/>
+      </a:hlink>
+      <a:folHlink>
+        <a:srgbClr val="954F72"/>
+      </a:folHlink>
+    </a:clrScheme>
+    <a:fontScheme name="Office">
+      <a:majorFont>
+        <a:latin typeface="Calibri Light" panose="020F0302020204030204"/>
+        <a:ea typeface=""/>
+        <a:cs typeface=""/>
+        <a:font script="Jpan" typeface="Yu Gothic Light"/>
+        <a:font script="Hang" typeface="맑은 고딕"/>
+        <a:font script="Hans" typeface="DengXian Light"/>
+        <a:font script="Hant" typeface="新細明體"/>
+        <a:font script="Arab" typeface="Times New Roman"/>
+        <a:font script="Hebr" typeface="Times New Roman"/>
+        <a:font script="Thai" typeface="Angsana New"/>
+        <a:font script="Ethi" typeface="Nyala"/>
+        <a:font script="Beng" typeface="Vrinda"/>
+        <a:font script="Gujr" typeface="Shruti"/>
+        <a:font script="Khmr" typeface="MoolBoran"/>
+        <a:font script="Knda" typeface="Tunga"/>
+        <a:font script="Guru" typeface="Raavi"/>
+        <a:font script="Cans" typeface="Euphemia"/>
+        <a:font script="Cher" typeface="Plantagenet Cherokee"/>
+        <a:font script="Yiii" typeface="Microsoft Yi Baiti"/>
+        <a:font script="Tibt" typeface="Microsoft Himalaya"/>
+        <a:font script="Thaa" typeface="MV Boli"/>
+        <a:font script="Deva" typeface="Mangal"/>
+        <a:font script="Telu" typeface="Gautami"/>
+        <a:font script="Taml" typeface="Latha"/>
+        <a:font script="Syrc" typeface="Estrangelo Edessa"/>
+        <a:font script="Orya" typeface="Kalinga"/>
+        <a:font script="Mlym" typeface="Kartika"/>
+        <a:font script="Laoo" typeface="DokChampa"/>
+        <a:font script="Sinh" typeface="Iskoola Pota"/>
+        <a:font script="Mong" typeface="Mongolian Baiti"/>
+        <a:font script="Viet" typeface="Times New Roman"/>
+        <a:font script="Uigh" typeface="Microsoft Uighur"/>
+        <a:font script="Geor" typeface="Sylfaen"/>
+      </a:majorFont>
+      <a:minorFont>
+        <a:latin typeface="Calibri" panose="020F0502020204030204"/>
+        <a:ea typeface=""/>
+        <a:cs typeface=""/>
+        <a:font script="Jpan" typeface="Yu Gothic"/>
+        <a:font script="Hang" typeface="맑은 고딕"/>
+        <a:font script="Hans" typeface="DengXian"/>
+        <a:font script="Hant" typeface="新細明體"/>
+        <a:font script="Arab" typeface="Arial"/>
+        <a:font script="Hebr" typeface="Arial"/>
+        <a:font script="Thai" typeface="Cordia New"/>
+        <a:font script="Ethi" typeface="Nyala"/>
+        <a:font script="Beng" typeface="Vrinda"/>
+        <a:font script="Gujr" typeface="Shruti"/>
+        <a:font script="Khmr" typeface="DaunPenh"/>
+        <a:font script="Knda" typeface="Tunga"/>
+        <a:font script="Guru" typeface="Raavi"/>
+        <a:font script="Cans" typeface="Euphemia"/>
+        <a:font script="Cher" typeface="Plantagenet Cherokee"/>
+        <a:font script="Yiii" typeface="Microsoft Yi Baiti"/>
+        <a:font script="Tibt" typeface="Microsoft Himalaya"/>
+        <a:font script="Thaa" typeface="MV Boli"/>
+        <a:font script="Deva" typeface="Mangal"/>
+        <a:font script="Telu" typeface="Gautami"/>
+        <a:font script="Taml" typeface="Latha"/>
+        <a:font script="Syrc" typeface="Estrangelo Edessa"/>
+        <a:font script="Orya" typeface="Kalinga"/>
+        <a:font script="Mlym" typeface="Kartika"/>
+        <a:font script="Laoo" typeface="DokChampa"/>
+        <a:font script="Sinh" typeface="Iskoola Pota"/>
+        <a:font script="Mong" typeface="Mongolian Baiti"/>
+        <a:font script="Viet" typeface="Arial"/>
+        <a:font script="Uigh" typeface="Microsoft Uighur"/>
+        <a:font script="Geor" typeface="Sylfaen"/>
+      </a:minorFont>
+    </a:fontScheme>
+    <a:fmtScheme name="Office">
+      <a:fillStyleLst>
+        <a:solidFill>
+          <a:schemeClr val="phClr"/>
+        </a:solidFill>
+        <a:gradFill rotWithShape="1">
+          <a:gsLst>
+            <a:gs pos="0">
+              <a:schemeClr val="phClr">
+                <a:lumMod val="110000"/>
+                <a:satMod val="105000"/>
+                <a:tint val="67000"/>
+              </a:schemeClr>
+            </a:gs>
+            <a:gs pos="50000">
+              <a:schemeClr val="phClr">
+                <a:lumMod val="105000"/>
+                <a:satMod val="103000"/>
+                <a:tint val="73000"/>
+              </a:schemeClr>
+            </a:gs>
+            <a:gs pos="100000">
+              <a:schemeClr val="phClr">
+                <a:lumMod val="105000"/>
+                <a:satMod val="109000"/>
+                <a:tint val="81000"/>
+              </a:schemeClr>
+            </a:gs>
+          </a:gsLst>
+          <a:lin ang="5400000" scaled="0"/>
+        </a:gradFill>
+        <a:gradFill rotWithShape="1">
+          <a:gsLst>
+            <a:gs pos="0">
+              <a:schemeClr val="phClr">
+                <a:satMod val="103000"/>
+                <a:lumMod val="102000"/>
+                <a:tint val="94000"/>
+              </a:schemeClr>
+            </a:gs>
+            <a:gs pos="50000">
+              <a:schemeClr val="phClr">
+                <a:satMod val="110000"/>
+                <a:lumMod val="100000"/>
+                <a:shade val="100000"/>
+              </a:schemeClr>
+            </a:gs>
+            <a:gs pos="100000">
+              <a:schemeClr val="phClr">
+                <a:lumMod val="99000"/>
+                <a:satMod val="120000"/>
+                <a:shade val="78000"/>
+              </a:schemeClr>
+            </a:gs>
+          </a:gsLst>
+          <a:lin ang="5400000" scaled="0"/>
+        </a:gradFill>
+      </a:fillStyleLst>
+      <a:lnStyleLst>
+        <a:ln w="6350" cap="flat" cmpd="sng" algn="ctr">
+          <a:solidFill>
+            <a:schemeClr val="phClr"/>
+          </a:solidFill>
+          <a:prstDash val="solid"/>
+          <a:miter lim="800000"/>
+        </a:ln>
+        <a:ln w="12700" cap="flat" cmpd="sng" algn="ctr">
+          <a:solidFill>
+            <a:schemeClr val="phClr"/>
+          </a:solidFill>
+          <a:prstDash val="solid"/>
+          <a:miter lim="800000"/>
+        </a:ln>
+        <a:ln w="19050" cap="flat" cmpd="sng" algn="ctr">
+          <a:solidFill>
+            <a:schemeClr val="phClr"/>
+          </a:solidFill>
+          <a:prstDash val="solid"/>
+          <a:miter lim="800000"/>
+        </a:ln>
+      </a:lnStyleLst>
+      <a:effectStyleLst>
+        <a:effectStyle>
+          <a:effectLst/>
+        </a:effectStyle>
+        <a:effectStyle>
+          <a:effectLst/>
+        </a:effectStyle>
+        <a:effectStyle>
+          <a:effectLst>
+            <a:outerShdw blurRad="57150" dist="19050" dir="5400000" algn="ctr" rotWithShape="0">
+              <a:srgbClr val="000000">
+                <a:alpha val="63000"/>
+              </a:srgbClr>
+            </a:outerShdw>
+          </a:effectLst>
+        </a:effectStyle>
+      </a:effectStyleLst>
+      <a:bgFillStyleLst>
+        <a:solidFill>
+          <a:schemeClr val="phClr"/>
+        </a:solidFill>
+        <a:solidFill>
+          <a:schemeClr val="phClr">
+            <a:tint val="95000"/>
+            <a:satMod val="170000"/>
+          </a:schemeClr>
+        </a:solidFill>
+        <a:gradFill rotWithShape="1">
+          <a:gsLst>
+            <a:gs pos="0">
+              <a:schemeClr val="phClr">
+                <a:tint val="93000"/>
+                <a:satMod val="150000"/>
+                <a:shade val="98000"/>
+                <a:lumMod val="102000"/>
+              </a:schemeClr>
+            </a:gs>
+            <a:gs pos="50000">
+              <a:schemeClr val="phClr">
+                <a:tint val="98000"/>
+                <a:satMod val="130000"/>
+                <a:shade val="90000"/>
+                <a:lumMod val="103000"/>
+              </a:schemeClr>
+            </a:gs>
+            <a:gs pos="100000">
+              <a:schemeClr val="phClr">
+                <a:shade val="63000"/>
+                <a:satMod val="120000"/>
+              </a:schemeClr>
+            </a:gs>
+          </a:gsLst>
+          <a:lin ang="5400000" scaled="0"/>
+        </a:gradFill>
+      </a:bgFillStyleLst>
+    </a:fmtScheme>
+  </a:themeElements>
+  <a:objectDefaults/>
+  <a:extraClrSchemeLst/>
+  <a:extLst>
+    <a:ext uri="{05A4C25C-085E-4340-85A3-A5531E510DB2}">
+      <thm15:themeFamily xmlns:thm15="http://schemas.microsoft.com/office/thememl/2012/main" name="Office Theme" id="{62F939B6-93AF-4DB8-9C6B-D6C7DFDC589F}" vid="{4A3C46E8-61CC-4603-A589-7422A47A8E4A}"/>
+    </a:ext>
+  </a:extLst>
+</a:theme>
 </file>
--- a/Weekly Report (Feb. 28).pptx
+++ b/Weekly Report (Feb. 28).pptx
@@ -9,6 +9,11 @@
     <p:sldId id="257" r:id="rId3"/>
     <p:sldId id="258" r:id="rId4"/>
     <p:sldId id="259" r:id="rId5"/>
+    <p:sldId id="260" r:id="rId6"/>
+    <p:sldId id="261" r:id="rId7"/>
+    <p:sldId id="262" r:id="rId8"/>
+    <p:sldId id="263" r:id="rId9"/>
+    <p:sldId id="264" r:id="rId10"/>
   </p:sldIdLst>
   <p:sldSz cx="12192000" cy="6858000"/>
   <p:notesSz cx="6858000" cy="9144000"/>
@@ -107,6 +112,11 @@
       </a:defRPr>
     </a:lvl9pPr>
   </p:defaultTextStyle>
+  <p:extLst>
+    <p:ext uri="{EFAFB233-063F-42B5-8137-9DF3F51BA10A}">
+      <p15:sldGuideLst xmlns:p15="http://schemas.microsoft.com/office/powerpoint/2012/main"/>
+    </p:ext>
+  </p:extLst>
 </p:presentation>
 </file>
 
@@ -7396,6 +7406,1401 @@
 </p:sld>
 </file>
 
+<file path=ppt/slides/slide5.xml><?xml version="1.0" encoding="utf-8"?>
+<p:sld xmlns:a="http://schemas.openxmlformats.org/drawingml/2006/main" xmlns:r="http://schemas.openxmlformats.org/officeDocument/2006/relationships" xmlns:p="http://schemas.openxmlformats.org/presentationml/2006/main">
+  <p:cSld>
+    <p:spTree>
+      <p:nvGrpSpPr>
+        <p:cNvPr id="1" name=""/>
+        <p:cNvGrpSpPr/>
+        <p:nvPr/>
+      </p:nvGrpSpPr>
+      <p:grpSpPr>
+        <a:xfrm>
+          <a:off x="0" y="0"/>
+          <a:ext cx="0" cy="0"/>
+          <a:chOff x="0" y="0"/>
+          <a:chExt cx="0" cy="0"/>
+        </a:xfrm>
+      </p:grpSpPr>
+      <p:sp>
+        <p:nvSpPr>
+          <p:cNvPr id="2" name="Title 1"/>
+          <p:cNvSpPr>
+            <a:spLocks noGrp="1"/>
+          </p:cNvSpPr>
+          <p:nvPr>
+            <p:ph type="title"/>
+          </p:nvPr>
+        </p:nvSpPr>
+        <p:spPr/>
+        <p:txBody>
+          <a:bodyPr/>
+          <a:lstStyle/>
+          <a:p>
+            <a:r>
+              <a:rPr lang="en-US" altLang="zh-CN" dirty="0" smtClean="0"/>
+              <a:t>Attempt</a:t>
+            </a:r>
+            <a:r>
+              <a:rPr lang="zh-CN" altLang="en-US" dirty="0" smtClean="0"/>
+              <a:t> </a:t>
+            </a:r>
+            <a:r>
+              <a:rPr lang="en-US" altLang="zh-CN" dirty="0"/>
+              <a:t>2</a:t>
+            </a:r>
+            <a:r>
+              <a:rPr lang="en-US" altLang="zh-CN" dirty="0" smtClean="0"/>
+              <a:t>.</a:t>
+            </a:r>
+            <a:r>
+              <a:rPr lang="zh-CN" altLang="en-US" dirty="0" smtClean="0"/>
+              <a:t> </a:t>
+            </a:r>
+            <a:r>
+              <a:rPr lang="en-US" altLang="zh-CN" dirty="0" smtClean="0"/>
+              <a:t>Bag of Words + Hash Trick</a:t>
+            </a:r>
+            <a:endParaRPr lang="en-US" dirty="0"/>
+          </a:p>
+        </p:txBody>
+      </p:sp>
+      <p:sp>
+        <p:nvSpPr>
+          <p:cNvPr id="3" name="Content Placeholder 2"/>
+          <p:cNvSpPr>
+            <a:spLocks noGrp="1"/>
+          </p:cNvSpPr>
+          <p:nvPr>
+            <p:ph idx="1"/>
+          </p:nvPr>
+        </p:nvSpPr>
+        <p:spPr/>
+        <p:txBody>
+          <a:bodyPr/>
+          <a:lstStyle/>
+          <a:p>
+            <a:r>
+              <a:rPr lang="en-US" altLang="zh-CN" dirty="0" smtClean="0"/>
+              <a:t>More than 6,000 words after removing frequency &lt; 5</a:t>
+            </a:r>
+            <a:endParaRPr lang="en-US" altLang="zh-CN" dirty="0" smtClean="0"/>
+          </a:p>
+          <a:p>
+            <a:r>
+              <a:rPr lang="en-US" altLang="zh-CN" dirty="0" smtClean="0"/>
+              <a:t>Hash Trick: allow collision (set 1000 slots)</a:t>
+            </a:r>
+            <a:endParaRPr lang="en-US" altLang="zh-CN" dirty="0"/>
+          </a:p>
+          <a:p>
+            <a:r>
+              <a:rPr lang="en-US" altLang="zh-CN" dirty="0" smtClean="0"/>
+              <a:t>Map the title and body into 1000 + 1000 = 2000 dimension features</a:t>
+            </a:r>
+          </a:p>
+          <a:p>
+            <a:r>
+              <a:rPr lang="en-US" altLang="zh-CN" dirty="0" smtClean="0"/>
+              <a:t>Train 1-vs-all classifier by </a:t>
+            </a:r>
+            <a:r>
+              <a:rPr lang="en-US" altLang="zh-CN" dirty="0" err="1" smtClean="0"/>
+              <a:t>xgboost</a:t>
+            </a:r>
+            <a:endParaRPr lang="en-US" altLang="zh-CN" dirty="0" smtClean="0"/>
+          </a:p>
+          <a:p>
+            <a:r>
+              <a:rPr lang="en-US" altLang="zh-CN" dirty="0" smtClean="0"/>
+              <a:t>Training set: test set = 4:1</a:t>
+            </a:r>
+          </a:p>
+        </p:txBody>
+      </p:sp>
+    </p:spTree>
+    <p:extLst>
+      <p:ext uri="{BB962C8B-B14F-4D97-AF65-F5344CB8AC3E}">
+        <p14:creationId xmlns:p14="http://schemas.microsoft.com/office/powerpoint/2010/main" val="2109760944"/>
+      </p:ext>
+    </p:extLst>
+  </p:cSld>
+  <p:clrMapOvr>
+    <a:masterClrMapping/>
+  </p:clrMapOvr>
+</p:sld>
+</file>
+
+<file path=ppt/slides/slide6.xml><?xml version="1.0" encoding="utf-8"?>
+<p:sld xmlns:a="http://schemas.openxmlformats.org/drawingml/2006/main" xmlns:r="http://schemas.openxmlformats.org/officeDocument/2006/relationships" xmlns:p="http://schemas.openxmlformats.org/presentationml/2006/main">
+  <p:cSld>
+    <p:spTree>
+      <p:nvGrpSpPr>
+        <p:cNvPr id="1" name=""/>
+        <p:cNvGrpSpPr/>
+        <p:nvPr/>
+      </p:nvGrpSpPr>
+      <p:grpSpPr>
+        <a:xfrm>
+          <a:off x="0" y="0"/>
+          <a:ext cx="0" cy="0"/>
+          <a:chOff x="0" y="0"/>
+          <a:chExt cx="0" cy="0"/>
+        </a:xfrm>
+      </p:grpSpPr>
+      <p:sp>
+        <p:nvSpPr>
+          <p:cNvPr id="2" name="Title 1"/>
+          <p:cNvSpPr>
+            <a:spLocks noGrp="1"/>
+          </p:cNvSpPr>
+          <p:nvPr>
+            <p:ph type="title"/>
+          </p:nvPr>
+        </p:nvSpPr>
+        <p:spPr/>
+        <p:txBody>
+          <a:bodyPr/>
+          <a:lstStyle/>
+          <a:p>
+            <a:r>
+              <a:rPr lang="en-US" altLang="zh-CN" dirty="0" smtClean="0"/>
+              <a:t>Experimental</a:t>
+            </a:r>
+            <a:r>
+              <a:rPr lang="zh-CN" altLang="en-US" dirty="0" smtClean="0"/>
+              <a:t> </a:t>
+            </a:r>
+            <a:r>
+              <a:rPr lang="en-US" altLang="zh-CN" dirty="0" smtClean="0"/>
+              <a:t>result 1 - discuss</a:t>
+            </a:r>
+            <a:endParaRPr lang="en-US" dirty="0"/>
+          </a:p>
+        </p:txBody>
+      </p:sp>
+      <p:graphicFrame>
+        <p:nvGraphicFramePr>
+          <p:cNvPr id="5" name="Content Placeholder 4"/>
+          <p:cNvGraphicFramePr>
+            <a:graphicFrameLocks noGrp="1"/>
+          </p:cNvGraphicFramePr>
+          <p:nvPr>
+            <p:ph idx="1"/>
+            <p:extLst>
+              <p:ext uri="{D42A27DB-BD31-4B8C-83A1-F6EECF244321}">
+                <p14:modId xmlns:p14="http://schemas.microsoft.com/office/powerpoint/2010/main" val="1124652430"/>
+              </p:ext>
+            </p:extLst>
+          </p:nvPr>
+        </p:nvGraphicFramePr>
+        <p:xfrm>
+          <a:off x="1991592" y="2673927"/>
+          <a:ext cx="8208816" cy="2961060"/>
+        </p:xfrm>
+        <a:graphic>
+          <a:graphicData uri="http://schemas.openxmlformats.org/drawingml/2006/table">
+            <a:tbl>
+              <a:tblPr firstRow="1" bandRow="1">
+                <a:tableStyleId>{5C22544A-7EE6-4342-B048-85BDC9FD1C3A}</a:tableStyleId>
+              </a:tblPr>
+              <a:tblGrid>
+                <a:gridCol w="2052204"/>
+                <a:gridCol w="2052204"/>
+                <a:gridCol w="2052204"/>
+                <a:gridCol w="2052204"/>
+              </a:tblGrid>
+              <a:tr h="585704">
+                <a:tc>
+                  <a:txBody>
+                    <a:bodyPr/>
+                    <a:lstStyle/>
+                    <a:p>
+                      <a:r>
+                        <a:rPr lang="en-US" dirty="0" smtClean="0"/>
+                        <a:t>Positive Threshold</a:t>
+                      </a:r>
+                      <a:endParaRPr lang="en-US" dirty="0"/>
+                    </a:p>
+                  </a:txBody>
+                  <a:tcPr/>
+                </a:tc>
+                <a:tc>
+                  <a:txBody>
+                    <a:bodyPr/>
+                    <a:lstStyle/>
+                    <a:p>
+                      <a:r>
+                        <a:rPr lang="en-US" altLang="zh-CN" dirty="0" smtClean="0"/>
+                        <a:t>F1</a:t>
+                      </a:r>
+                      <a:endParaRPr lang="en-US" dirty="0"/>
+                    </a:p>
+                  </a:txBody>
+                  <a:tcPr/>
+                </a:tc>
+                <a:tc>
+                  <a:txBody>
+                    <a:bodyPr/>
+                    <a:lstStyle/>
+                    <a:p>
+                      <a:r>
+                        <a:rPr lang="en-US" altLang="zh-CN" dirty="0" smtClean="0"/>
+                        <a:t>Precision</a:t>
+                      </a:r>
+                      <a:endParaRPr lang="en-US" dirty="0"/>
+                    </a:p>
+                  </a:txBody>
+                  <a:tcPr/>
+                </a:tc>
+                <a:tc>
+                  <a:txBody>
+                    <a:bodyPr/>
+                    <a:lstStyle/>
+                    <a:p>
+                      <a:r>
+                        <a:rPr lang="en-US" dirty="0" smtClean="0"/>
+                        <a:t>Recall</a:t>
+                      </a:r>
+                      <a:endParaRPr lang="en-US" dirty="0"/>
+                    </a:p>
+                  </a:txBody>
+                  <a:tcPr/>
+                </a:tc>
+              </a:tr>
+              <a:tr h="593839">
+                <a:tc>
+                  <a:txBody>
+                    <a:bodyPr/>
+                    <a:lstStyle/>
+                    <a:p>
+                      <a:r>
+                        <a:rPr lang="en-US" altLang="zh-CN" dirty="0" smtClean="0"/>
+                        <a:t>0.2</a:t>
+                      </a:r>
+                      <a:endParaRPr lang="en-US" dirty="0"/>
+                    </a:p>
+                  </a:txBody>
+                  <a:tcPr/>
+                </a:tc>
+                <a:tc>
+                  <a:txBody>
+                    <a:bodyPr/>
+                    <a:lstStyle/>
+                    <a:p>
+                      <a:r>
+                        <a:rPr lang="is-IS" dirty="0" smtClean="0"/>
+                        <a:t>0.905</a:t>
+                      </a:r>
+                      <a:endParaRPr lang="en-US" dirty="0"/>
+                    </a:p>
+                  </a:txBody>
+                  <a:tcPr/>
+                </a:tc>
+                <a:tc>
+                  <a:txBody>
+                    <a:bodyPr/>
+                    <a:lstStyle/>
+                    <a:p>
+                      <a:r>
+                        <a:rPr lang="cs-CZ" dirty="0" smtClean="0"/>
+                        <a:t>0.845</a:t>
+                      </a:r>
+                      <a:endParaRPr lang="en-US" dirty="0"/>
+                    </a:p>
+                  </a:txBody>
+                  <a:tcPr/>
+                </a:tc>
+                <a:tc>
+                  <a:txBody>
+                    <a:bodyPr/>
+                    <a:lstStyle/>
+                    <a:p>
+                      <a:r>
+                        <a:rPr lang="en-US" dirty="0" smtClean="0"/>
+                        <a:t>0.974</a:t>
+                      </a:r>
+                      <a:endParaRPr lang="en-US" dirty="0"/>
+                    </a:p>
+                  </a:txBody>
+                  <a:tcPr/>
+                </a:tc>
+              </a:tr>
+              <a:tr h="593839">
+                <a:tc>
+                  <a:txBody>
+                    <a:bodyPr/>
+                    <a:lstStyle/>
+                    <a:p>
+                      <a:r>
+                        <a:rPr lang="en-US" altLang="zh-CN" dirty="0" smtClean="0"/>
+                        <a:t>0.3</a:t>
+                      </a:r>
+                      <a:endParaRPr lang="en-US" dirty="0"/>
+                    </a:p>
+                  </a:txBody>
+                  <a:tcPr/>
+                </a:tc>
+                <a:tc>
+                  <a:txBody>
+                    <a:bodyPr/>
+                    <a:lstStyle/>
+                    <a:p>
+                      <a:r>
+                        <a:rPr lang="en-US" dirty="0" smtClean="0"/>
+                        <a:t>0.925</a:t>
+                      </a:r>
+                      <a:endParaRPr lang="en-US" dirty="0"/>
+                    </a:p>
+                  </a:txBody>
+                  <a:tcPr/>
+                </a:tc>
+                <a:tc>
+                  <a:txBody>
+                    <a:bodyPr/>
+                    <a:lstStyle/>
+                    <a:p>
+                      <a:r>
+                        <a:rPr lang="en-US" dirty="0" smtClean="0"/>
+                        <a:t>0.890</a:t>
+                      </a:r>
+                      <a:endParaRPr lang="en-US" dirty="0"/>
+                    </a:p>
+                  </a:txBody>
+                  <a:tcPr/>
+                </a:tc>
+                <a:tc>
+                  <a:txBody>
+                    <a:bodyPr/>
+                    <a:lstStyle/>
+                    <a:p>
+                      <a:r>
+                        <a:rPr lang="en-US" dirty="0" smtClean="0"/>
+                        <a:t>0.962</a:t>
+                      </a:r>
+                      <a:endParaRPr lang="en-US" dirty="0"/>
+                    </a:p>
+                  </a:txBody>
+                  <a:tcPr/>
+                </a:tc>
+              </a:tr>
+              <a:tr h="593839">
+                <a:tc>
+                  <a:txBody>
+                    <a:bodyPr/>
+                    <a:lstStyle/>
+                    <a:p>
+                      <a:r>
+                        <a:rPr lang="en-US" dirty="0" smtClean="0"/>
+                        <a:t>0.4</a:t>
+                      </a:r>
+                      <a:endParaRPr lang="en-US" dirty="0"/>
+                    </a:p>
+                  </a:txBody>
+                  <a:tcPr/>
+                </a:tc>
+                <a:tc>
+                  <a:txBody>
+                    <a:bodyPr/>
+                    <a:lstStyle/>
+                    <a:p>
+                      <a:r>
+                        <a:rPr lang="en-US" dirty="0" smtClean="0"/>
+                        <a:t>0.928</a:t>
+                      </a:r>
+                      <a:endParaRPr lang="en-US" dirty="0"/>
+                    </a:p>
+                  </a:txBody>
+                  <a:tcPr/>
+                </a:tc>
+                <a:tc>
+                  <a:txBody>
+                    <a:bodyPr/>
+                    <a:lstStyle/>
+                    <a:p>
+                      <a:r>
+                        <a:rPr lang="en-US" dirty="0" smtClean="0"/>
+                        <a:t>0.907</a:t>
+                      </a:r>
+                      <a:endParaRPr lang="en-US" dirty="0"/>
+                    </a:p>
+                  </a:txBody>
+                  <a:tcPr/>
+                </a:tc>
+                <a:tc>
+                  <a:txBody>
+                    <a:bodyPr/>
+                    <a:lstStyle/>
+                    <a:p>
+                      <a:r>
+                        <a:rPr lang="en-US" dirty="0" smtClean="0"/>
+                        <a:t>0.949</a:t>
+                      </a:r>
+                      <a:endParaRPr lang="en-US" dirty="0"/>
+                    </a:p>
+                  </a:txBody>
+                  <a:tcPr/>
+                </a:tc>
+              </a:tr>
+              <a:tr h="593839">
+                <a:tc>
+                  <a:txBody>
+                    <a:bodyPr/>
+                    <a:lstStyle/>
+                    <a:p>
+                      <a:r>
+                        <a:rPr lang="en-US" dirty="0" smtClean="0"/>
+                        <a:t>0.5</a:t>
+                      </a:r>
+                      <a:endParaRPr lang="en-US" dirty="0"/>
+                    </a:p>
+                  </a:txBody>
+                  <a:tcPr/>
+                </a:tc>
+                <a:tc>
+                  <a:txBody>
+                    <a:bodyPr/>
+                    <a:lstStyle/>
+                    <a:p>
+                      <a:r>
+                        <a:rPr lang="en-US" dirty="0" smtClean="0"/>
+                        <a:t>0.928</a:t>
+                      </a:r>
+                      <a:endParaRPr lang="en-US" dirty="0"/>
+                    </a:p>
+                  </a:txBody>
+                  <a:tcPr/>
+                </a:tc>
+                <a:tc>
+                  <a:txBody>
+                    <a:bodyPr/>
+                    <a:lstStyle/>
+                    <a:p>
+                      <a:r>
+                        <a:rPr lang="en-US" dirty="0" smtClean="0"/>
+                        <a:t>0.921</a:t>
+                      </a:r>
+                      <a:endParaRPr lang="en-US" dirty="0"/>
+                    </a:p>
+                  </a:txBody>
+                  <a:tcPr/>
+                </a:tc>
+                <a:tc>
+                  <a:txBody>
+                    <a:bodyPr/>
+                    <a:lstStyle/>
+                    <a:p>
+                      <a:r>
+                        <a:rPr lang="en-US" dirty="0" smtClean="0"/>
+                        <a:t>0.935</a:t>
+                      </a:r>
+                      <a:endParaRPr lang="en-US" dirty="0"/>
+                    </a:p>
+                  </a:txBody>
+                  <a:tcPr/>
+                </a:tc>
+              </a:tr>
+            </a:tbl>
+          </a:graphicData>
+        </a:graphic>
+      </p:graphicFrame>
+    </p:spTree>
+    <p:extLst>
+      <p:ext uri="{BB962C8B-B14F-4D97-AF65-F5344CB8AC3E}">
+        <p14:creationId xmlns:p14="http://schemas.microsoft.com/office/powerpoint/2010/main" val="2042098404"/>
+      </p:ext>
+    </p:extLst>
+  </p:cSld>
+  <p:clrMapOvr>
+    <a:masterClrMapping/>
+  </p:clrMapOvr>
+</p:sld>
+</file>
+
+<file path=ppt/slides/slide7.xml><?xml version="1.0" encoding="utf-8"?>
+<p:sld xmlns:a="http://schemas.openxmlformats.org/drawingml/2006/main" xmlns:r="http://schemas.openxmlformats.org/officeDocument/2006/relationships" xmlns:p="http://schemas.openxmlformats.org/presentationml/2006/main">
+  <p:cSld>
+    <p:spTree>
+      <p:nvGrpSpPr>
+        <p:cNvPr id="1" name=""/>
+        <p:cNvGrpSpPr/>
+        <p:nvPr/>
+      </p:nvGrpSpPr>
+      <p:grpSpPr>
+        <a:xfrm>
+          <a:off x="0" y="0"/>
+          <a:ext cx="0" cy="0"/>
+          <a:chOff x="0" y="0"/>
+          <a:chExt cx="0" cy="0"/>
+        </a:xfrm>
+      </p:grpSpPr>
+      <p:sp>
+        <p:nvSpPr>
+          <p:cNvPr id="2" name="Title 1"/>
+          <p:cNvSpPr>
+            <a:spLocks noGrp="1"/>
+          </p:cNvSpPr>
+          <p:nvPr>
+            <p:ph type="title"/>
+          </p:nvPr>
+        </p:nvSpPr>
+        <p:spPr/>
+        <p:txBody>
+          <a:bodyPr/>
+          <a:lstStyle/>
+          <a:p>
+            <a:r>
+              <a:rPr lang="en-US" altLang="zh-CN" dirty="0" smtClean="0"/>
+              <a:t>Experimental</a:t>
+            </a:r>
+            <a:r>
+              <a:rPr lang="zh-CN" altLang="en-US" dirty="0" smtClean="0"/>
+              <a:t> </a:t>
+            </a:r>
+            <a:r>
+              <a:rPr lang="en-US" altLang="zh-CN" dirty="0" smtClean="0"/>
+              <a:t>result</a:t>
+            </a:r>
+            <a:r>
+              <a:rPr lang="zh-CN" altLang="en-US" dirty="0" smtClean="0"/>
+              <a:t> </a:t>
+            </a:r>
+            <a:r>
+              <a:rPr lang="en-US" altLang="zh-CN" dirty="0" smtClean="0"/>
+              <a:t>2 - agree</a:t>
+            </a:r>
+            <a:endParaRPr lang="en-US" dirty="0"/>
+          </a:p>
+        </p:txBody>
+      </p:sp>
+      <p:graphicFrame>
+        <p:nvGraphicFramePr>
+          <p:cNvPr id="6" name="Content Placeholder 4"/>
+          <p:cNvGraphicFramePr>
+            <a:graphicFrameLocks noGrp="1"/>
+          </p:cNvGraphicFramePr>
+          <p:nvPr>
+            <p:ph idx="1"/>
+            <p:extLst>
+              <p:ext uri="{D42A27DB-BD31-4B8C-83A1-F6EECF244321}">
+                <p14:modId xmlns:p14="http://schemas.microsoft.com/office/powerpoint/2010/main" val="1839462194"/>
+              </p:ext>
+            </p:extLst>
+          </p:nvPr>
+        </p:nvGraphicFramePr>
+        <p:xfrm>
+          <a:off x="1991592" y="2673927"/>
+          <a:ext cx="8208816" cy="2961060"/>
+        </p:xfrm>
+        <a:graphic>
+          <a:graphicData uri="http://schemas.openxmlformats.org/drawingml/2006/table">
+            <a:tbl>
+              <a:tblPr firstRow="1" bandRow="1">
+                <a:tableStyleId>{5C22544A-7EE6-4342-B048-85BDC9FD1C3A}</a:tableStyleId>
+              </a:tblPr>
+              <a:tblGrid>
+                <a:gridCol w="2052204"/>
+                <a:gridCol w="2052204"/>
+                <a:gridCol w="2052204"/>
+                <a:gridCol w="2052204"/>
+              </a:tblGrid>
+              <a:tr h="585704">
+                <a:tc>
+                  <a:txBody>
+                    <a:bodyPr/>
+                    <a:lstStyle/>
+                    <a:p>
+                      <a:r>
+                        <a:rPr lang="en-US" dirty="0" smtClean="0"/>
+                        <a:t>Positive Threshold</a:t>
+                      </a:r>
+                      <a:endParaRPr lang="en-US" dirty="0"/>
+                    </a:p>
+                  </a:txBody>
+                  <a:tcPr/>
+                </a:tc>
+                <a:tc>
+                  <a:txBody>
+                    <a:bodyPr/>
+                    <a:lstStyle/>
+                    <a:p>
+                      <a:r>
+                        <a:rPr lang="en-US" altLang="zh-CN" dirty="0" smtClean="0"/>
+                        <a:t>F1</a:t>
+                      </a:r>
+                      <a:endParaRPr lang="en-US" dirty="0"/>
+                    </a:p>
+                  </a:txBody>
+                  <a:tcPr/>
+                </a:tc>
+                <a:tc>
+                  <a:txBody>
+                    <a:bodyPr/>
+                    <a:lstStyle/>
+                    <a:p>
+                      <a:r>
+                        <a:rPr lang="en-US" altLang="zh-CN" dirty="0" smtClean="0"/>
+                        <a:t>Precision</a:t>
+                      </a:r>
+                      <a:endParaRPr lang="en-US" dirty="0"/>
+                    </a:p>
+                  </a:txBody>
+                  <a:tcPr/>
+                </a:tc>
+                <a:tc>
+                  <a:txBody>
+                    <a:bodyPr/>
+                    <a:lstStyle/>
+                    <a:p>
+                      <a:r>
+                        <a:rPr lang="en-US" dirty="0" smtClean="0"/>
+                        <a:t>Recall</a:t>
+                      </a:r>
+                      <a:endParaRPr lang="en-US" dirty="0"/>
+                    </a:p>
+                  </a:txBody>
+                  <a:tcPr/>
+                </a:tc>
+              </a:tr>
+              <a:tr h="593839">
+                <a:tc>
+                  <a:txBody>
+                    <a:bodyPr/>
+                    <a:lstStyle/>
+                    <a:p>
+                      <a:r>
+                        <a:rPr lang="en-US" altLang="zh-CN" dirty="0" smtClean="0"/>
+                        <a:t>0.2</a:t>
+                      </a:r>
+                      <a:endParaRPr lang="en-US" dirty="0"/>
+                    </a:p>
+                  </a:txBody>
+                  <a:tcPr/>
+                </a:tc>
+                <a:tc>
+                  <a:txBody>
+                    <a:bodyPr/>
+                    <a:lstStyle/>
+                    <a:p>
+                      <a:r>
+                        <a:rPr lang="is-IS" dirty="0" smtClean="0"/>
+                        <a:t>0.784</a:t>
+                      </a:r>
+                      <a:endParaRPr lang="en-US" dirty="0"/>
+                    </a:p>
+                  </a:txBody>
+                  <a:tcPr/>
+                </a:tc>
+                <a:tc>
+                  <a:txBody>
+                    <a:bodyPr/>
+                    <a:lstStyle/>
+                    <a:p>
+                      <a:r>
+                        <a:rPr lang="cs-CZ" dirty="0" smtClean="0"/>
+                        <a:t>0.691</a:t>
+                      </a:r>
+                      <a:endParaRPr lang="en-US" dirty="0"/>
+                    </a:p>
+                  </a:txBody>
+                  <a:tcPr/>
+                </a:tc>
+                <a:tc>
+                  <a:txBody>
+                    <a:bodyPr/>
+                    <a:lstStyle/>
+                    <a:p>
+                      <a:r>
+                        <a:rPr lang="en-US" dirty="0" smtClean="0"/>
+                        <a:t>0.905</a:t>
+                      </a:r>
+                      <a:endParaRPr lang="en-US" dirty="0"/>
+                    </a:p>
+                  </a:txBody>
+                  <a:tcPr/>
+                </a:tc>
+              </a:tr>
+              <a:tr h="593839">
+                <a:tc>
+                  <a:txBody>
+                    <a:bodyPr/>
+                    <a:lstStyle/>
+                    <a:p>
+                      <a:r>
+                        <a:rPr lang="en-US" altLang="zh-CN" dirty="0" smtClean="0"/>
+                        <a:t>0.3</a:t>
+                      </a:r>
+                      <a:endParaRPr lang="en-US" dirty="0"/>
+                    </a:p>
+                  </a:txBody>
+                  <a:tcPr/>
+                </a:tc>
+                <a:tc>
+                  <a:txBody>
+                    <a:bodyPr/>
+                    <a:lstStyle/>
+                    <a:p>
+                      <a:r>
+                        <a:rPr lang="en-US" dirty="0" smtClean="0"/>
+                        <a:t>0.804</a:t>
+                      </a:r>
+                      <a:endParaRPr lang="en-US" dirty="0"/>
+                    </a:p>
+                  </a:txBody>
+                  <a:tcPr/>
+                </a:tc>
+                <a:tc>
+                  <a:txBody>
+                    <a:bodyPr/>
+                    <a:lstStyle/>
+                    <a:p>
+                      <a:r>
+                        <a:rPr lang="en-US" dirty="0" smtClean="0"/>
+                        <a:t>0.749</a:t>
+                      </a:r>
+                      <a:endParaRPr lang="en-US" dirty="0"/>
+                    </a:p>
+                  </a:txBody>
+                  <a:tcPr/>
+                </a:tc>
+                <a:tc>
+                  <a:txBody>
+                    <a:bodyPr/>
+                    <a:lstStyle/>
+                    <a:p>
+                      <a:r>
+                        <a:rPr lang="en-US" dirty="0" smtClean="0"/>
+                        <a:t>0.867</a:t>
+                      </a:r>
+                      <a:endParaRPr lang="en-US" dirty="0"/>
+                    </a:p>
+                  </a:txBody>
+                  <a:tcPr/>
+                </a:tc>
+              </a:tr>
+              <a:tr h="593839">
+                <a:tc>
+                  <a:txBody>
+                    <a:bodyPr/>
+                    <a:lstStyle/>
+                    <a:p>
+                      <a:r>
+                        <a:rPr lang="en-US" dirty="0" smtClean="0"/>
+                        <a:t>0.4</a:t>
+                      </a:r>
+                      <a:endParaRPr lang="en-US" dirty="0"/>
+                    </a:p>
+                  </a:txBody>
+                  <a:tcPr/>
+                </a:tc>
+                <a:tc>
+                  <a:txBody>
+                    <a:bodyPr/>
+                    <a:lstStyle/>
+                    <a:p>
+                      <a:r>
+                        <a:rPr lang="en-US" dirty="0" smtClean="0"/>
+                        <a:t>0.798</a:t>
+                      </a:r>
+                      <a:endParaRPr lang="en-US" dirty="0"/>
+                    </a:p>
+                  </a:txBody>
+                  <a:tcPr/>
+                </a:tc>
+                <a:tc>
+                  <a:txBody>
+                    <a:bodyPr/>
+                    <a:lstStyle/>
+                    <a:p>
+                      <a:r>
+                        <a:rPr lang="en-US" dirty="0" smtClean="0"/>
+                        <a:t>0.786</a:t>
+                      </a:r>
+                      <a:endParaRPr lang="en-US" dirty="0"/>
+                    </a:p>
+                  </a:txBody>
+                  <a:tcPr/>
+                </a:tc>
+                <a:tc>
+                  <a:txBody>
+                    <a:bodyPr/>
+                    <a:lstStyle/>
+                    <a:p>
+                      <a:r>
+                        <a:rPr lang="en-US" dirty="0" smtClean="0"/>
+                        <a:t>0.811</a:t>
+                      </a:r>
+                      <a:endParaRPr lang="en-US" dirty="0"/>
+                    </a:p>
+                  </a:txBody>
+                  <a:tcPr/>
+                </a:tc>
+              </a:tr>
+              <a:tr h="593839">
+                <a:tc>
+                  <a:txBody>
+                    <a:bodyPr/>
+                    <a:lstStyle/>
+                    <a:p>
+                      <a:r>
+                        <a:rPr lang="en-US" dirty="0" smtClean="0"/>
+                        <a:t>0.5</a:t>
+                      </a:r>
+                      <a:endParaRPr lang="en-US" dirty="0"/>
+                    </a:p>
+                  </a:txBody>
+                  <a:tcPr/>
+                </a:tc>
+                <a:tc>
+                  <a:txBody>
+                    <a:bodyPr/>
+                    <a:lstStyle/>
+                    <a:p>
+                      <a:r>
+                        <a:rPr lang="en-US" dirty="0" smtClean="0"/>
+                        <a:t>0.782</a:t>
+                      </a:r>
+                      <a:endParaRPr lang="en-US" dirty="0"/>
+                    </a:p>
+                  </a:txBody>
+                  <a:tcPr/>
+                </a:tc>
+                <a:tc>
+                  <a:txBody>
+                    <a:bodyPr/>
+                    <a:lstStyle/>
+                    <a:p>
+                      <a:r>
+                        <a:rPr lang="en-US" dirty="0" smtClean="0"/>
+                        <a:t>0.816</a:t>
+                      </a:r>
+                      <a:endParaRPr lang="en-US" dirty="0"/>
+                    </a:p>
+                  </a:txBody>
+                  <a:tcPr/>
+                </a:tc>
+                <a:tc>
+                  <a:txBody>
+                    <a:bodyPr/>
+                    <a:lstStyle/>
+                    <a:p>
+                      <a:r>
+                        <a:rPr lang="en-US" dirty="0" smtClean="0"/>
+                        <a:t>0.750</a:t>
+                      </a:r>
+                      <a:endParaRPr lang="en-US" dirty="0"/>
+                    </a:p>
+                  </a:txBody>
+                  <a:tcPr/>
+                </a:tc>
+              </a:tr>
+            </a:tbl>
+          </a:graphicData>
+        </a:graphic>
+      </p:graphicFrame>
+    </p:spTree>
+    <p:extLst>
+      <p:ext uri="{BB962C8B-B14F-4D97-AF65-F5344CB8AC3E}">
+        <p14:creationId xmlns:p14="http://schemas.microsoft.com/office/powerpoint/2010/main" val="464229674"/>
+      </p:ext>
+    </p:extLst>
+  </p:cSld>
+  <p:clrMapOvr>
+    <a:masterClrMapping/>
+  </p:clrMapOvr>
+</p:sld>
+</file>
+
+<file path=ppt/slides/slide8.xml><?xml version="1.0" encoding="utf-8"?>
+<p:sld xmlns:a="http://schemas.openxmlformats.org/drawingml/2006/main" xmlns:r="http://schemas.openxmlformats.org/officeDocument/2006/relationships" xmlns:p="http://schemas.openxmlformats.org/presentationml/2006/main">
+  <p:cSld>
+    <p:spTree>
+      <p:nvGrpSpPr>
+        <p:cNvPr id="1" name=""/>
+        <p:cNvGrpSpPr/>
+        <p:nvPr/>
+      </p:nvGrpSpPr>
+      <p:grpSpPr>
+        <a:xfrm>
+          <a:off x="0" y="0"/>
+          <a:ext cx="0" cy="0"/>
+          <a:chOff x="0" y="0"/>
+          <a:chExt cx="0" cy="0"/>
+        </a:xfrm>
+      </p:grpSpPr>
+      <p:sp>
+        <p:nvSpPr>
+          <p:cNvPr id="2" name="Title 1"/>
+          <p:cNvSpPr>
+            <a:spLocks noGrp="1"/>
+          </p:cNvSpPr>
+          <p:nvPr>
+            <p:ph type="title"/>
+          </p:nvPr>
+        </p:nvSpPr>
+        <p:spPr/>
+        <p:txBody>
+          <a:bodyPr/>
+          <a:lstStyle/>
+          <a:p>
+            <a:r>
+              <a:rPr lang="en-US" altLang="zh-CN" dirty="0" smtClean="0"/>
+              <a:t>Experimental</a:t>
+            </a:r>
+            <a:r>
+              <a:rPr lang="zh-CN" altLang="en-US" dirty="0" smtClean="0"/>
+              <a:t> </a:t>
+            </a:r>
+            <a:r>
+              <a:rPr lang="en-US" altLang="zh-CN" dirty="0" smtClean="0"/>
+              <a:t>result</a:t>
+            </a:r>
+            <a:r>
+              <a:rPr lang="zh-CN" altLang="en-US" dirty="0" smtClean="0"/>
+              <a:t> </a:t>
+            </a:r>
+            <a:r>
+              <a:rPr lang="en-US" altLang="zh-CN" dirty="0"/>
+              <a:t>3</a:t>
+            </a:r>
+            <a:r>
+              <a:rPr lang="en-US" altLang="zh-CN" dirty="0" smtClean="0"/>
+              <a:t> - disagree</a:t>
+            </a:r>
+            <a:endParaRPr lang="en-US" dirty="0"/>
+          </a:p>
+        </p:txBody>
+      </p:sp>
+      <p:graphicFrame>
+        <p:nvGraphicFramePr>
+          <p:cNvPr id="6" name="Content Placeholder 4"/>
+          <p:cNvGraphicFramePr>
+            <a:graphicFrameLocks noGrp="1"/>
+          </p:cNvGraphicFramePr>
+          <p:nvPr>
+            <p:ph idx="1"/>
+            <p:extLst>
+              <p:ext uri="{D42A27DB-BD31-4B8C-83A1-F6EECF244321}">
+                <p14:modId xmlns:p14="http://schemas.microsoft.com/office/powerpoint/2010/main" val="1332949182"/>
+              </p:ext>
+            </p:extLst>
+          </p:nvPr>
+        </p:nvGraphicFramePr>
+        <p:xfrm>
+          <a:off x="1991592" y="2673927"/>
+          <a:ext cx="8208816" cy="2961060"/>
+        </p:xfrm>
+        <a:graphic>
+          <a:graphicData uri="http://schemas.openxmlformats.org/drawingml/2006/table">
+            <a:tbl>
+              <a:tblPr firstRow="1" bandRow="1">
+                <a:tableStyleId>{5C22544A-7EE6-4342-B048-85BDC9FD1C3A}</a:tableStyleId>
+              </a:tblPr>
+              <a:tblGrid>
+                <a:gridCol w="2052204"/>
+                <a:gridCol w="2052204"/>
+                <a:gridCol w="2052204"/>
+                <a:gridCol w="2052204"/>
+              </a:tblGrid>
+              <a:tr h="585704">
+                <a:tc>
+                  <a:txBody>
+                    <a:bodyPr/>
+                    <a:lstStyle/>
+                    <a:p>
+                      <a:r>
+                        <a:rPr lang="en-US" dirty="0" smtClean="0"/>
+                        <a:t>Positive Threshold</a:t>
+                      </a:r>
+                      <a:endParaRPr lang="en-US" dirty="0"/>
+                    </a:p>
+                  </a:txBody>
+                  <a:tcPr/>
+                </a:tc>
+                <a:tc>
+                  <a:txBody>
+                    <a:bodyPr/>
+                    <a:lstStyle/>
+                    <a:p>
+                      <a:r>
+                        <a:rPr lang="en-US" altLang="zh-CN" dirty="0" smtClean="0"/>
+                        <a:t>F1</a:t>
+                      </a:r>
+                      <a:endParaRPr lang="en-US" dirty="0"/>
+                    </a:p>
+                  </a:txBody>
+                  <a:tcPr/>
+                </a:tc>
+                <a:tc>
+                  <a:txBody>
+                    <a:bodyPr/>
+                    <a:lstStyle/>
+                    <a:p>
+                      <a:r>
+                        <a:rPr lang="en-US" altLang="zh-CN" dirty="0" smtClean="0"/>
+                        <a:t>Precision</a:t>
+                      </a:r>
+                      <a:endParaRPr lang="en-US" dirty="0"/>
+                    </a:p>
+                  </a:txBody>
+                  <a:tcPr/>
+                </a:tc>
+                <a:tc>
+                  <a:txBody>
+                    <a:bodyPr/>
+                    <a:lstStyle/>
+                    <a:p>
+                      <a:r>
+                        <a:rPr lang="en-US" dirty="0" smtClean="0"/>
+                        <a:t>Recall</a:t>
+                      </a:r>
+                      <a:endParaRPr lang="en-US" dirty="0"/>
+                    </a:p>
+                  </a:txBody>
+                  <a:tcPr/>
+                </a:tc>
+              </a:tr>
+              <a:tr h="593839">
+                <a:tc>
+                  <a:txBody>
+                    <a:bodyPr/>
+                    <a:lstStyle/>
+                    <a:p>
+                      <a:r>
+                        <a:rPr lang="en-US" altLang="zh-CN" dirty="0" smtClean="0"/>
+                        <a:t>0.2</a:t>
+                      </a:r>
+                      <a:endParaRPr lang="en-US" dirty="0"/>
+                    </a:p>
+                  </a:txBody>
+                  <a:tcPr/>
+                </a:tc>
+                <a:tc>
+                  <a:txBody>
+                    <a:bodyPr/>
+                    <a:lstStyle/>
+                    <a:p>
+                      <a:r>
+                        <a:rPr lang="is-IS" dirty="0" smtClean="0"/>
+                        <a:t>0.580</a:t>
+                      </a:r>
+                      <a:endParaRPr lang="en-US" dirty="0"/>
+                    </a:p>
+                  </a:txBody>
+                  <a:tcPr/>
+                </a:tc>
+                <a:tc>
+                  <a:txBody>
+                    <a:bodyPr/>
+                    <a:lstStyle/>
+                    <a:p>
+                      <a:r>
+                        <a:rPr lang="cs-CZ" dirty="0" smtClean="0"/>
+                        <a:t>0.493</a:t>
+                      </a:r>
+                      <a:endParaRPr lang="en-US" dirty="0"/>
+                    </a:p>
+                  </a:txBody>
+                  <a:tcPr/>
+                </a:tc>
+                <a:tc>
+                  <a:txBody>
+                    <a:bodyPr/>
+                    <a:lstStyle/>
+                    <a:p>
+                      <a:r>
+                        <a:rPr lang="en-US" dirty="0" smtClean="0"/>
+                        <a:t>0.704</a:t>
+                      </a:r>
+                      <a:endParaRPr lang="en-US" dirty="0"/>
+                    </a:p>
+                  </a:txBody>
+                  <a:tcPr/>
+                </a:tc>
+              </a:tr>
+              <a:tr h="593839">
+                <a:tc>
+                  <a:txBody>
+                    <a:bodyPr/>
+                    <a:lstStyle/>
+                    <a:p>
+                      <a:r>
+                        <a:rPr lang="en-US" altLang="zh-CN" dirty="0" smtClean="0"/>
+                        <a:t>0.3</a:t>
+                      </a:r>
+                      <a:endParaRPr lang="en-US" dirty="0"/>
+                    </a:p>
+                  </a:txBody>
+                  <a:tcPr/>
+                </a:tc>
+                <a:tc>
+                  <a:txBody>
+                    <a:bodyPr/>
+                    <a:lstStyle/>
+                    <a:p>
+                      <a:r>
+                        <a:rPr lang="en-US" dirty="0" smtClean="0"/>
+                        <a:t>0.599</a:t>
+                      </a:r>
+                      <a:endParaRPr lang="en-US" dirty="0"/>
+                    </a:p>
+                  </a:txBody>
+                  <a:tcPr/>
+                </a:tc>
+                <a:tc>
+                  <a:txBody>
+                    <a:bodyPr/>
+                    <a:lstStyle/>
+                    <a:p>
+                      <a:r>
+                        <a:rPr lang="en-US" dirty="0" smtClean="0"/>
+                        <a:t>0.557</a:t>
+                      </a:r>
+                      <a:endParaRPr lang="en-US" dirty="0"/>
+                    </a:p>
+                  </a:txBody>
+                  <a:tcPr/>
+                </a:tc>
+                <a:tc>
+                  <a:txBody>
+                    <a:bodyPr/>
+                    <a:lstStyle/>
+                    <a:p>
+                      <a:r>
+                        <a:rPr lang="en-US" dirty="0" smtClean="0"/>
+                        <a:t>0.648</a:t>
+                      </a:r>
+                      <a:endParaRPr lang="en-US" dirty="0"/>
+                    </a:p>
+                  </a:txBody>
+                  <a:tcPr/>
+                </a:tc>
+              </a:tr>
+              <a:tr h="593839">
+                <a:tc>
+                  <a:txBody>
+                    <a:bodyPr/>
+                    <a:lstStyle/>
+                    <a:p>
+                      <a:r>
+                        <a:rPr lang="en-US" dirty="0" smtClean="0"/>
+                        <a:t>0.4</a:t>
+                      </a:r>
+                      <a:endParaRPr lang="en-US" dirty="0"/>
+                    </a:p>
+                  </a:txBody>
+                  <a:tcPr/>
+                </a:tc>
+                <a:tc>
+                  <a:txBody>
+                    <a:bodyPr/>
+                    <a:lstStyle/>
+                    <a:p>
+                      <a:r>
+                        <a:rPr lang="en-US" dirty="0" smtClean="0"/>
+                        <a:t>0.595</a:t>
+                      </a:r>
+                      <a:endParaRPr lang="en-US" dirty="0"/>
+                    </a:p>
+                  </a:txBody>
+                  <a:tcPr/>
+                </a:tc>
+                <a:tc>
+                  <a:txBody>
+                    <a:bodyPr/>
+                    <a:lstStyle/>
+                    <a:p>
+                      <a:r>
+                        <a:rPr lang="en-US" dirty="0" smtClean="0"/>
+                        <a:t>0.619</a:t>
+                      </a:r>
+                      <a:endParaRPr lang="en-US" dirty="0"/>
+                    </a:p>
+                  </a:txBody>
+                  <a:tcPr/>
+                </a:tc>
+                <a:tc>
+                  <a:txBody>
+                    <a:bodyPr/>
+                    <a:lstStyle/>
+                    <a:p>
+                      <a:r>
+                        <a:rPr lang="en-US" dirty="0" smtClean="0"/>
+                        <a:t>0.572</a:t>
+                      </a:r>
+                      <a:endParaRPr lang="en-US" dirty="0"/>
+                    </a:p>
+                  </a:txBody>
+                  <a:tcPr/>
+                </a:tc>
+              </a:tr>
+              <a:tr h="593839">
+                <a:tc>
+                  <a:txBody>
+                    <a:bodyPr/>
+                    <a:lstStyle/>
+                    <a:p>
+                      <a:r>
+                        <a:rPr lang="en-US" dirty="0" smtClean="0"/>
+                        <a:t>0.5</a:t>
+                      </a:r>
+                      <a:endParaRPr lang="en-US" dirty="0"/>
+                    </a:p>
+                  </a:txBody>
+                  <a:tcPr/>
+                </a:tc>
+                <a:tc>
+                  <a:txBody>
+                    <a:bodyPr/>
+                    <a:lstStyle/>
+                    <a:p>
+                      <a:r>
+                        <a:rPr lang="en-US" dirty="0" smtClean="0"/>
+                        <a:t>0.584</a:t>
+                      </a:r>
+                      <a:endParaRPr lang="en-US" dirty="0"/>
+                    </a:p>
+                  </a:txBody>
+                  <a:tcPr/>
+                </a:tc>
+                <a:tc>
+                  <a:txBody>
+                    <a:bodyPr/>
+                    <a:lstStyle/>
+                    <a:p>
+                      <a:r>
+                        <a:rPr lang="en-US" dirty="0" smtClean="0"/>
+                        <a:t>0.672</a:t>
+                      </a:r>
+                      <a:endParaRPr lang="en-US" dirty="0"/>
+                    </a:p>
+                  </a:txBody>
+                  <a:tcPr/>
+                </a:tc>
+                <a:tc>
+                  <a:txBody>
+                    <a:bodyPr/>
+                    <a:lstStyle/>
+                    <a:p>
+                      <a:r>
+                        <a:rPr lang="en-US" dirty="0" smtClean="0"/>
+                        <a:t>0.516</a:t>
+                      </a:r>
+                      <a:endParaRPr lang="en-US" dirty="0"/>
+                    </a:p>
+                  </a:txBody>
+                  <a:tcPr/>
+                </a:tc>
+              </a:tr>
+            </a:tbl>
+          </a:graphicData>
+        </a:graphic>
+      </p:graphicFrame>
+    </p:spTree>
+    <p:extLst>
+      <p:ext uri="{BB962C8B-B14F-4D97-AF65-F5344CB8AC3E}">
+        <p14:creationId xmlns:p14="http://schemas.microsoft.com/office/powerpoint/2010/main" val="1638428481"/>
+      </p:ext>
+    </p:extLst>
+  </p:cSld>
+  <p:clrMapOvr>
+    <a:masterClrMapping/>
+  </p:clrMapOvr>
+</p:sld>
+</file>
+
+<file path=ppt/slides/slide9.xml><?xml version="1.0" encoding="utf-8"?>
+<p:sld xmlns:a="http://schemas.openxmlformats.org/drawingml/2006/main" xmlns:r="http://schemas.openxmlformats.org/officeDocument/2006/relationships" xmlns:p="http://schemas.openxmlformats.org/presentationml/2006/main">
+  <p:cSld>
+    <p:spTree>
+      <p:nvGrpSpPr>
+        <p:cNvPr id="1" name=""/>
+        <p:cNvGrpSpPr/>
+        <p:nvPr/>
+      </p:nvGrpSpPr>
+      <p:grpSpPr>
+        <a:xfrm>
+          <a:off x="0" y="0"/>
+          <a:ext cx="0" cy="0"/>
+          <a:chOff x="0" y="0"/>
+          <a:chExt cx="0" cy="0"/>
+        </a:xfrm>
+      </p:grpSpPr>
+      <p:sp>
+        <p:nvSpPr>
+          <p:cNvPr id="2" name="Title 1"/>
+          <p:cNvSpPr>
+            <a:spLocks noGrp="1"/>
+          </p:cNvSpPr>
+          <p:nvPr>
+            <p:ph type="title"/>
+          </p:nvPr>
+        </p:nvSpPr>
+        <p:spPr/>
+        <p:txBody>
+          <a:bodyPr/>
+          <a:lstStyle/>
+          <a:p>
+            <a:r>
+              <a:rPr lang="en-US" altLang="zh-CN" dirty="0" err="1" smtClean="0"/>
+              <a:t>Todo</a:t>
+            </a:r>
+            <a:endParaRPr lang="en-US" dirty="0"/>
+          </a:p>
+        </p:txBody>
+      </p:sp>
+      <p:sp>
+        <p:nvSpPr>
+          <p:cNvPr id="3" name="Content Placeholder 2"/>
+          <p:cNvSpPr>
+            <a:spLocks noGrp="1"/>
+          </p:cNvSpPr>
+          <p:nvPr>
+            <p:ph idx="1"/>
+          </p:nvPr>
+        </p:nvSpPr>
+        <p:spPr/>
+        <p:txBody>
+          <a:bodyPr/>
+          <a:lstStyle/>
+          <a:p>
+            <a:r>
+              <a:rPr lang="en-US" dirty="0" err="1" smtClean="0"/>
+              <a:t>Undersampling</a:t>
+            </a:r>
+            <a:r>
+              <a:rPr lang="en-US" dirty="0" smtClean="0"/>
+              <a:t> for disagree classifier training</a:t>
+            </a:r>
+          </a:p>
+          <a:p>
+            <a:r>
+              <a:rPr lang="en-US" dirty="0" smtClean="0"/>
+              <a:t>Final classification using different strategies</a:t>
+            </a:r>
+          </a:p>
+          <a:p>
+            <a:r>
+              <a:rPr lang="en-US" dirty="0" smtClean="0"/>
+              <a:t>Hybrid methods (Attempt 1 + Attempt 2)</a:t>
+            </a:r>
+          </a:p>
+        </p:txBody>
+      </p:sp>
+    </p:spTree>
+    <p:extLst>
+      <p:ext uri="{BB962C8B-B14F-4D97-AF65-F5344CB8AC3E}">
+        <p14:creationId xmlns:p14="http://schemas.microsoft.com/office/powerpoint/2010/main" val="289300374"/>
+      </p:ext>
+    </p:extLst>
+  </p:cSld>
+  <p:clrMapOvr>
+    <a:masterClrMapping/>
+  </p:clrMapOvr>
+</p:sld>
+</file>
+
 <file path=ppt/theme/theme1.xml><?xml version="1.0" encoding="utf-8"?>
 <a:theme xmlns:a="http://schemas.openxmlformats.org/drawingml/2006/main" name="Organic">
   <a:themeElements>
